--- a/docs/proposal presentation.pptx
+++ b/docs/proposal presentation.pptx
@@ -9,15 +9,16 @@
     <p:sldId id="257" r:id="rId3"/>
     <p:sldId id="260" r:id="rId4"/>
     <p:sldId id="258" r:id="rId5"/>
-    <p:sldId id="262" r:id="rId6"/>
-    <p:sldId id="264" r:id="rId7"/>
+    <p:sldId id="264" r:id="rId6"/>
+    <p:sldId id="262" r:id="rId7"/>
     <p:sldId id="265" r:id="rId8"/>
-    <p:sldId id="267" r:id="rId9"/>
-    <p:sldId id="266" r:id="rId10"/>
-    <p:sldId id="259" r:id="rId11"/>
-    <p:sldId id="261" r:id="rId12"/>
-    <p:sldId id="263" r:id="rId13"/>
-    <p:sldId id="268" r:id="rId14"/>
+    <p:sldId id="269" r:id="rId9"/>
+    <p:sldId id="267" r:id="rId10"/>
+    <p:sldId id="266" r:id="rId11"/>
+    <p:sldId id="259" r:id="rId12"/>
+    <p:sldId id="261" r:id="rId13"/>
+    <p:sldId id="263" r:id="rId14"/>
+    <p:sldId id="268" r:id="rId15"/>
   </p:sldIdLst>
   <p:sldSz cx="12192000" cy="6858000"/>
   <p:notesSz cx="6858000" cy="9144000"/>
@@ -255,7 +256,7 @@
           <a:p>
             <a:fld id="{C764DE79-268F-4C1A-8933-263129D2AF90}" type="datetimeFigureOut">
               <a:rPr lang="en-US" dirty="0"/>
-              <a:t>10/24/2015</a:t>
+              <a:t>10/26/2015</a:t>
             </a:fld>
             <a:endParaRPr lang="en-US" dirty="0"/>
           </a:p>
@@ -420,7 +421,7 @@
           <a:p>
             <a:fld id="{C764DE79-268F-4C1A-8933-263129D2AF90}" type="datetimeFigureOut">
               <a:rPr lang="en-US" dirty="0"/>
-              <a:t>10/24/2015</a:t>
+              <a:t>10/26/2015</a:t>
             </a:fld>
             <a:endParaRPr lang="en-US" dirty="0"/>
           </a:p>
@@ -595,7 +596,7 @@
           <a:p>
             <a:fld id="{C764DE79-268F-4C1A-8933-263129D2AF90}" type="datetimeFigureOut">
               <a:rPr lang="en-US" dirty="0"/>
-              <a:t>10/24/2015</a:t>
+              <a:t>10/26/2015</a:t>
             </a:fld>
             <a:endParaRPr lang="en-US" dirty="0"/>
           </a:p>
@@ -760,7 +761,7 @@
           <a:p>
             <a:fld id="{C764DE79-268F-4C1A-8933-263129D2AF90}" type="datetimeFigureOut">
               <a:rPr lang="en-US" dirty="0"/>
-              <a:t>10/24/2015</a:t>
+              <a:t>10/26/2015</a:t>
             </a:fld>
             <a:endParaRPr lang="en-US" dirty="0"/>
           </a:p>
@@ -1001,7 +1002,7 @@
           <a:p>
             <a:fld id="{C764DE79-268F-4C1A-8933-263129D2AF90}" type="datetimeFigureOut">
               <a:rPr lang="en-US" dirty="0"/>
-              <a:t>10/24/2015</a:t>
+              <a:t>10/26/2015</a:t>
             </a:fld>
             <a:endParaRPr lang="en-US" dirty="0"/>
           </a:p>
@@ -1228,7 +1229,7 @@
           <a:p>
             <a:fld id="{C764DE79-268F-4C1A-8933-263129D2AF90}" type="datetimeFigureOut">
               <a:rPr lang="en-US" dirty="0"/>
-              <a:t>10/24/2015</a:t>
+              <a:t>10/26/2015</a:t>
             </a:fld>
             <a:endParaRPr lang="en-US" dirty="0"/>
           </a:p>
@@ -1590,7 +1591,7 @@
           <a:p>
             <a:fld id="{C764DE79-268F-4C1A-8933-263129D2AF90}" type="datetimeFigureOut">
               <a:rPr lang="en-US" dirty="0"/>
-              <a:t>10/24/2015</a:t>
+              <a:t>10/26/2015</a:t>
             </a:fld>
             <a:endParaRPr lang="en-US" dirty="0"/>
           </a:p>
@@ -1703,7 +1704,7 @@
           <a:p>
             <a:fld id="{C764DE79-268F-4C1A-8933-263129D2AF90}" type="datetimeFigureOut">
               <a:rPr lang="en-US" dirty="0"/>
-              <a:t>10/24/2015</a:t>
+              <a:t>10/26/2015</a:t>
             </a:fld>
             <a:endParaRPr lang="en-US" dirty="0"/>
           </a:p>
@@ -1793,7 +1794,7 @@
           <a:p>
             <a:fld id="{C764DE79-268F-4C1A-8933-263129D2AF90}" type="datetimeFigureOut">
               <a:rPr lang="en-US" dirty="0"/>
-              <a:t>10/24/2015</a:t>
+              <a:t>10/26/2015</a:t>
             </a:fld>
             <a:endParaRPr lang="en-US" dirty="0"/>
           </a:p>
@@ -2065,7 +2066,7 @@
           <a:p>
             <a:fld id="{C764DE79-268F-4C1A-8933-263129D2AF90}" type="datetimeFigureOut">
               <a:rPr lang="en-US" dirty="0"/>
-              <a:t>10/24/2015</a:t>
+              <a:t>10/26/2015</a:t>
             </a:fld>
             <a:endParaRPr lang="en-US" dirty="0"/>
           </a:p>
@@ -2317,7 +2318,7 @@
           <a:p>
             <a:fld id="{C764DE79-268F-4C1A-8933-263129D2AF90}" type="datetimeFigureOut">
               <a:rPr lang="en-US" dirty="0"/>
-              <a:t>10/24/2015</a:t>
+              <a:t>10/26/2015</a:t>
             </a:fld>
             <a:endParaRPr lang="en-US" dirty="0"/>
           </a:p>
@@ -2525,7 +2526,7 @@
           <a:p>
             <a:fld id="{C764DE79-268F-4C1A-8933-263129D2AF90}" type="datetimeFigureOut">
               <a:rPr lang="en-US" dirty="0"/>
-              <a:t>10/24/2015</a:t>
+              <a:t>10/26/2015</a:t>
             </a:fld>
             <a:endParaRPr lang="en-US" dirty="0"/>
           </a:p>
@@ -2965,19 +2966,7 @@
           <a:p>
             <a:r>
               <a:rPr lang="en-US" dirty="0" smtClean="0"/>
-              <a:t>UML </a:t>
-            </a:r>
-            <a:r>
-              <a:rPr lang="en-US" dirty="0" smtClean="0"/>
-              <a:t>and</a:t>
-            </a:r>
-            <a:r>
-              <a:rPr lang="en-US" dirty="0" smtClean="0"/>
-              <a:t> </a:t>
-            </a:r>
-            <a:r>
-              <a:rPr lang="en-US" dirty="0" smtClean="0"/>
-              <a:t>Code Generator</a:t>
+              <a:t>UML and Code Generator</a:t>
             </a:r>
             <a:endParaRPr lang="en-US" dirty="0"/>
           </a:p>
@@ -3030,71 +3019,45 @@
           <a:p>
             <a:r>
               <a:rPr lang="en-US" dirty="0" smtClean="0"/>
-              <a:t>Functional Requirements</a:t>
-            </a:r>
-            <a:endParaRPr lang="en-US" dirty="0"/>
-          </a:p>
-        </p:txBody>
-      </p:sp>
-      <p:sp>
-        <p:nvSpPr>
-          <p:cNvPr id="3" name="Content Placeholder 2"/>
-          <p:cNvSpPr>
-            <a:spLocks noGrp="1"/>
-          </p:cNvSpPr>
+              <a:t>UML - Overview</a:t>
+            </a:r>
+            <a:endParaRPr lang="en-US" dirty="0"/>
+          </a:p>
+        </p:txBody>
+      </p:sp>
+      <p:pic>
+        <p:nvPicPr>
+          <p:cNvPr id="6" name="Content Placeholder 5"/>
+          <p:cNvPicPr>
+            <a:picLocks noGrp="1" noChangeAspect="1"/>
+          </p:cNvPicPr>
           <p:nvPr>
             <p:ph idx="1"/>
           </p:nvPr>
-        </p:nvSpPr>
-        <p:spPr/>
-        <p:txBody>
-          <a:bodyPr/>
-          <a:lstStyle/>
-          <a:p>
-            <a:pPr marL="0" indent="0">
-              <a:buNone/>
-            </a:pPr>
-            <a:r>
-              <a:rPr lang="en-US" dirty="0" smtClean="0"/>
-              <a:t>A user should be able to…</a:t>
-            </a:r>
-          </a:p>
-          <a:p>
-            <a:r>
-              <a:rPr lang="en-US" dirty="0" smtClean="0"/>
-              <a:t>Make a new class or interface</a:t>
-            </a:r>
-          </a:p>
-          <a:p>
-            <a:r>
-              <a:rPr lang="en-US" dirty="0" smtClean="0"/>
-              <a:t>Specify a parent class</a:t>
-            </a:r>
-          </a:p>
-          <a:p>
-            <a:r>
-              <a:rPr lang="en-US" dirty="0" smtClean="0"/>
-              <a:t>Add attributes and methods</a:t>
-            </a:r>
-          </a:p>
-          <a:p>
-            <a:r>
-              <a:rPr lang="en-US" dirty="0" smtClean="0"/>
-              <a:t>Click and drag classes</a:t>
-            </a:r>
-          </a:p>
-          <a:p>
-            <a:r>
-              <a:rPr lang="en-US" dirty="0" smtClean="0"/>
-              <a:t>Generate code in a supported language</a:t>
-            </a:r>
-          </a:p>
-        </p:txBody>
-      </p:sp>
+        </p:nvPicPr>
+        <p:blipFill>
+          <a:blip r:embed="rId2">
+            <a:extLst>
+              <a:ext uri="{28A0092B-C50C-407E-A947-70E740481C1C}">
+                <a14:useLocalDpi xmlns:a14="http://schemas.microsoft.com/office/drawing/2010/main" val="0"/>
+              </a:ext>
+            </a:extLst>
+          </a:blip>
+          <a:stretch>
+            <a:fillRect/>
+          </a:stretch>
+        </p:blipFill>
+        <p:spPr>
+          <a:xfrm>
+            <a:off x="1171120" y="1262129"/>
+            <a:ext cx="9849760" cy="5126023"/>
+          </a:xfrm>
+        </p:spPr>
+      </p:pic>
     </p:spTree>
     <p:extLst>
       <p:ext uri="{BB962C8B-B14F-4D97-AF65-F5344CB8AC3E}">
-        <p14:creationId xmlns:p14="http://schemas.microsoft.com/office/powerpoint/2010/main" val="2930590128"/>
+        <p14:creationId xmlns:p14="http://schemas.microsoft.com/office/powerpoint/2010/main" val="1540701525"/>
       </p:ext>
     </p:extLst>
   </p:cSld>
@@ -3145,7 +3108,7 @@
           <a:p>
             <a:r>
               <a:rPr lang="en-US" dirty="0" smtClean="0"/>
-              <a:t>Non-Functional Requirements</a:t>
+              <a:t>Functional Requirements</a:t>
             </a:r>
             <a:endParaRPr lang="en-US" dirty="0"/>
           </a:p>
@@ -3166,70 +3129,79 @@
           <a:bodyPr/>
           <a:lstStyle/>
           <a:p>
-            <a:r>
-              <a:rPr lang="en-US" dirty="0" smtClean="0"/>
-              <a:t>Platform independent</a:t>
-            </a:r>
-          </a:p>
-          <a:p>
-            <a:r>
-              <a:rPr lang="en-US" dirty="0" smtClean="0"/>
-              <a:t>Unit testing with </a:t>
-            </a:r>
-            <a:r>
-              <a:rPr lang="en-US" dirty="0" err="1" smtClean="0"/>
-              <a:t>Cpp</a:t>
-            </a:r>
-            <a:r>
-              <a:rPr lang="en-US" dirty="0" err="1"/>
-              <a:t>U</a:t>
-            </a:r>
-            <a:r>
-              <a:rPr lang="en-US" dirty="0" err="1" smtClean="0"/>
-              <a:t>nit</a:t>
+            <a:pPr marL="0" indent="0">
+              <a:buNone/>
+            </a:pPr>
+            <a:r>
+              <a:rPr lang="en-US" dirty="0" smtClean="0"/>
+              <a:t>A user should be able to…</a:t>
+            </a:r>
+          </a:p>
+          <a:p>
+            <a:r>
+              <a:rPr lang="en-US" dirty="0" smtClean="0"/>
+              <a:t>Make a new class or interface</a:t>
+            </a:r>
+          </a:p>
+          <a:p>
+            <a:r>
+              <a:rPr lang="en-US" dirty="0" smtClean="0"/>
+              <a:t>Specify a parent </a:t>
+            </a:r>
+            <a:r>
+              <a:rPr lang="en-US" dirty="0" smtClean="0"/>
+              <a:t>class or referenced classes</a:t>
             </a:r>
             <a:endParaRPr lang="en-US" dirty="0" smtClean="0"/>
           </a:p>
           <a:p>
             <a:r>
               <a:rPr lang="en-US" dirty="0" smtClean="0"/>
-              <a:t>Extendable - Add support for OO languages (Strategy)</a:t>
-            </a:r>
-          </a:p>
-          <a:p>
-            <a:r>
-              <a:rPr lang="en-US" dirty="0" smtClean="0"/>
-              <a:t>Create various objects at run time (Factory)</a:t>
-            </a:r>
-          </a:p>
-          <a:p>
-            <a:r>
-              <a:rPr lang="en-US" dirty="0" smtClean="0"/>
-              <a:t>Control the behavior of the GUI (State)</a:t>
-            </a:r>
-          </a:p>
-          <a:p>
+              <a:t>Add attributes and methods</a:t>
+            </a:r>
+          </a:p>
+          <a:p>
+            <a:r>
+              <a:rPr lang="en-US" dirty="0" smtClean="0"/>
+              <a:t>Click and drag classes</a:t>
+            </a:r>
+          </a:p>
+          <a:p>
+            <a:r>
+              <a:rPr lang="en-US" dirty="0" smtClean="0"/>
+              <a:t>Generate code in a supported </a:t>
+            </a:r>
+            <a:r>
+              <a:rPr lang="en-US" dirty="0" smtClean="0"/>
+              <a:t>language</a:t>
+            </a:r>
+          </a:p>
+          <a:p>
+            <a:r>
+              <a:rPr lang="en-US" dirty="0" smtClean="0"/>
+              <a:t>Export UML Diagram as image</a:t>
+            </a:r>
             <a:endParaRPr lang="en-US" dirty="0" smtClean="0"/>
-          </a:p>
-          <a:p>
-            <a:endParaRPr lang="en-US" dirty="0" smtClean="0"/>
-          </a:p>
-          <a:p>
-            <a:pPr lvl="1"/>
-            <a:endParaRPr lang="en-US" dirty="0"/>
           </a:p>
         </p:txBody>
       </p:sp>
     </p:spTree>
     <p:extLst>
       <p:ext uri="{BB962C8B-B14F-4D97-AF65-F5344CB8AC3E}">
-        <p14:creationId xmlns:p14="http://schemas.microsoft.com/office/powerpoint/2010/main" val="4065165272"/>
+        <p14:creationId xmlns:p14="http://schemas.microsoft.com/office/powerpoint/2010/main" val="2930590128"/>
       </p:ext>
     </p:extLst>
   </p:cSld>
   <p:clrMapOvr>
     <a:masterClrMapping/>
   </p:clrMapOvr>
+  <p:timing>
+    <p:tnLst>
+      <p:par>
+        <p:cTn id="1" dur="indefinite" restart="never" nodeType="tmRoot"/>
+      </p:par>
+    </p:tnLst>
+  </p:timing>
 </p:sld>
 </file>
 
@@ -3267,7 +3239,7 @@
           <a:p>
             <a:r>
               <a:rPr lang="en-US" dirty="0" smtClean="0"/>
-              <a:t>Use Cases</a:t>
+              <a:t>Non-Functional Requirements</a:t>
             </a:r>
             <a:endParaRPr lang="en-US" dirty="0"/>
           </a:p>
@@ -3288,6 +3260,66 @@
           <a:bodyPr/>
           <a:lstStyle/>
           <a:p>
+            <a:r>
+              <a:rPr lang="en-US" dirty="0" smtClean="0"/>
+              <a:t>Platform independent</a:t>
+            </a:r>
+          </a:p>
+          <a:p>
+            <a:r>
+              <a:rPr lang="en-US" dirty="0" smtClean="0"/>
+              <a:t>Unit testing with </a:t>
+            </a:r>
+            <a:r>
+              <a:rPr lang="en-US" dirty="0" err="1" smtClean="0"/>
+              <a:t>QtTest</a:t>
+            </a:r>
+            <a:endParaRPr lang="en-US" dirty="0" smtClean="0"/>
+          </a:p>
+          <a:p>
+            <a:r>
+              <a:rPr lang="en-US" dirty="0" smtClean="0"/>
+              <a:t>Maintainable and Extendable</a:t>
+            </a:r>
+          </a:p>
+          <a:p>
+            <a:pPr lvl="1"/>
+            <a:r>
+              <a:rPr lang="en-US" dirty="0" smtClean="0"/>
+              <a:t>Add </a:t>
+            </a:r>
+            <a:r>
+              <a:rPr lang="en-US" dirty="0" smtClean="0"/>
+              <a:t>support for OO languages (Strategy)</a:t>
+            </a:r>
+          </a:p>
+          <a:p>
+            <a:pPr lvl="1"/>
+            <a:r>
+              <a:rPr lang="en-US" dirty="0" smtClean="0"/>
+              <a:t>Create </a:t>
+            </a:r>
+            <a:r>
+              <a:rPr lang="en-US" dirty="0" smtClean="0"/>
+              <a:t>various objects at run time (Factory)</a:t>
+            </a:r>
+          </a:p>
+          <a:p>
+            <a:pPr lvl="1"/>
+            <a:r>
+              <a:rPr lang="en-US" dirty="0" smtClean="0"/>
+              <a:t>Add and Remove features to GUI (State)</a:t>
+            </a:r>
+            <a:endParaRPr lang="en-US" dirty="0" smtClean="0"/>
+          </a:p>
+          <a:p>
+            <a:endParaRPr lang="en-US" dirty="0" smtClean="0"/>
+          </a:p>
+          <a:p>
+            <a:endParaRPr lang="en-US" dirty="0" smtClean="0"/>
+          </a:p>
+          <a:p>
+            <a:pPr lvl="1"/>
             <a:endParaRPr lang="en-US" dirty="0"/>
           </a:p>
         </p:txBody>
@@ -3295,7 +3327,7 @@
     </p:spTree>
     <p:extLst>
       <p:ext uri="{BB962C8B-B14F-4D97-AF65-F5344CB8AC3E}">
-        <p14:creationId xmlns:p14="http://schemas.microsoft.com/office/powerpoint/2010/main" val="1927099282"/>
+        <p14:creationId xmlns:p14="http://schemas.microsoft.com/office/powerpoint/2010/main" val="4065165272"/>
       </p:ext>
     </p:extLst>
   </p:cSld>
@@ -3339,6 +3371,154 @@
           <a:p>
             <a:r>
               <a:rPr lang="en-US" dirty="0" smtClean="0"/>
+              <a:t>Use Cases</a:t>
+            </a:r>
+            <a:endParaRPr lang="en-US" dirty="0"/>
+          </a:p>
+        </p:txBody>
+      </p:sp>
+      <p:sp>
+        <p:nvSpPr>
+          <p:cNvPr id="3" name="Content Placeholder 2"/>
+          <p:cNvSpPr>
+            <a:spLocks noGrp="1"/>
+          </p:cNvSpPr>
+          <p:nvPr>
+            <p:ph idx="1"/>
+          </p:nvPr>
+        </p:nvSpPr>
+        <p:spPr/>
+        <p:txBody>
+          <a:bodyPr/>
+          <a:lstStyle/>
+          <a:p>
+            <a:r>
+              <a:rPr lang="en-US" dirty="0" smtClean="0"/>
+              <a:t>Create a class diagram</a:t>
+            </a:r>
+          </a:p>
+          <a:p>
+            <a:pPr lvl="1"/>
+            <a:r>
+              <a:rPr lang="en-US" dirty="0" smtClean="0"/>
+              <a:t>Create a class template</a:t>
+            </a:r>
+          </a:p>
+          <a:p>
+            <a:pPr lvl="1"/>
+            <a:r>
+              <a:rPr lang="en-US" dirty="0" smtClean="0"/>
+              <a:t>Add class methods and attributes when given</a:t>
+            </a:r>
+          </a:p>
+          <a:p>
+            <a:pPr lvl="1"/>
+            <a:r>
+              <a:rPr lang="en-US" dirty="0" smtClean="0"/>
+              <a:t>Specify base class</a:t>
+            </a:r>
+          </a:p>
+          <a:p>
+            <a:pPr lvl="1"/>
+            <a:r>
+              <a:rPr lang="en-US" dirty="0" smtClean="0"/>
+              <a:t>Add references or contained classes</a:t>
+            </a:r>
+          </a:p>
+          <a:p>
+            <a:r>
+              <a:rPr lang="en-US" dirty="0" smtClean="0"/>
+              <a:t>Generate Code</a:t>
+            </a:r>
+          </a:p>
+          <a:p>
+            <a:pPr lvl="1"/>
+            <a:r>
+              <a:rPr lang="en-US" dirty="0" smtClean="0"/>
+              <a:t>Specify Language</a:t>
+            </a:r>
+          </a:p>
+          <a:p>
+            <a:pPr lvl="1"/>
+            <a:r>
+              <a:rPr lang="en-US" dirty="0" smtClean="0"/>
+              <a:t>Traverse class hierarchy</a:t>
+            </a:r>
+          </a:p>
+          <a:p>
+            <a:pPr lvl="1"/>
+            <a:r>
+              <a:rPr lang="en-US" dirty="0" smtClean="0"/>
+              <a:t>Create files</a:t>
+            </a:r>
+          </a:p>
+          <a:p>
+            <a:pPr lvl="1"/>
+            <a:r>
+              <a:rPr lang="en-US" dirty="0" smtClean="0"/>
+              <a:t>Generate stub code</a:t>
+            </a:r>
+            <a:endParaRPr lang="en-US" dirty="0" smtClean="0"/>
+          </a:p>
+          <a:p>
+            <a:pPr lvl="1"/>
+            <a:endParaRPr lang="en-US" dirty="0" smtClean="0"/>
+          </a:p>
+          <a:p>
+            <a:pPr marL="457200" lvl="1" indent="0">
+              <a:buNone/>
+            </a:pPr>
+            <a:endParaRPr lang="en-US" dirty="0"/>
+          </a:p>
+        </p:txBody>
+      </p:sp>
+    </p:spTree>
+    <p:extLst>
+      <p:ext uri="{BB962C8B-B14F-4D97-AF65-F5344CB8AC3E}">
+        <p14:creationId xmlns:p14="http://schemas.microsoft.com/office/powerpoint/2010/main" val="1927099282"/>
+      </p:ext>
+    </p:extLst>
+  </p:cSld>
+  <p:clrMapOvr>
+    <a:masterClrMapping/>
+  </p:clrMapOvr>
+</p:sld>
+</file>
+
+<file path=ppt/slides/slide14.xml><?xml version="1.0" encoding="utf-8"?>
+<p:sld xmlns:a="http://schemas.openxmlformats.org/drawingml/2006/main" xmlns:r="http://schemas.openxmlformats.org/officeDocument/2006/relationships" xmlns:p="http://schemas.openxmlformats.org/presentationml/2006/main">
+  <p:cSld>
+    <p:spTree>
+      <p:nvGrpSpPr>
+        <p:cNvPr id="1" name=""/>
+        <p:cNvGrpSpPr/>
+        <p:nvPr/>
+      </p:nvGrpSpPr>
+      <p:grpSpPr>
+        <a:xfrm>
+          <a:off x="0" y="0"/>
+          <a:ext cx="0" cy="0"/>
+          <a:chOff x="0" y="0"/>
+          <a:chExt cx="0" cy="0"/>
+        </a:xfrm>
+      </p:grpSpPr>
+      <p:sp>
+        <p:nvSpPr>
+          <p:cNvPr id="2" name="Title 1"/>
+          <p:cNvSpPr>
+            <a:spLocks noGrp="1"/>
+          </p:cNvSpPr>
+          <p:nvPr>
+            <p:ph type="title"/>
+          </p:nvPr>
+        </p:nvSpPr>
+        <p:spPr/>
+        <p:txBody>
+          <a:bodyPr/>
+          <a:lstStyle/>
+          <a:p>
+            <a:r>
+              <a:rPr lang="en-US" dirty="0" smtClean="0"/>
               <a:t>Environment</a:t>
             </a:r>
             <a:endParaRPr lang="en-US" dirty="0"/>
@@ -3360,7 +3540,41 @@
           <a:bodyPr/>
           <a:lstStyle/>
           <a:p>
-            <a:endParaRPr lang="en-US"/>
+            <a:r>
+              <a:rPr lang="en-US" dirty="0" smtClean="0"/>
+              <a:t>C++ (POSIX)</a:t>
+            </a:r>
+          </a:p>
+          <a:p>
+            <a:r>
+              <a:rPr lang="en-US" dirty="0" smtClean="0"/>
+              <a:t>QT Creator 3.5</a:t>
+            </a:r>
+          </a:p>
+          <a:p>
+            <a:pPr lvl="1"/>
+            <a:r>
+              <a:rPr lang="en-US" dirty="0" smtClean="0"/>
+              <a:t>QT Library 5.3 (GUI)</a:t>
+            </a:r>
+          </a:p>
+          <a:p>
+            <a:pPr lvl="1"/>
+            <a:r>
+              <a:rPr lang="en-US" dirty="0" err="1" smtClean="0"/>
+              <a:t>QtTest</a:t>
+            </a:r>
+            <a:endParaRPr lang="en-US" dirty="0" smtClean="0"/>
+          </a:p>
+          <a:p>
+            <a:r>
+              <a:rPr lang="en-US" dirty="0" err="1" smtClean="0"/>
+              <a:t>Git</a:t>
+            </a:r>
+            <a:endParaRPr lang="en-US" dirty="0" smtClean="0"/>
+          </a:p>
+          <a:p>
+            <a:endParaRPr lang="en-US" dirty="0"/>
           </a:p>
         </p:txBody>
       </p:sp>
@@ -3440,23 +3654,7 @@
           <a:p>
             <a:r>
               <a:rPr lang="en-US" dirty="0" smtClean="0"/>
-              <a:t>Generate </a:t>
-            </a:r>
-            <a:r>
-              <a:rPr lang="en-US" dirty="0" smtClean="0"/>
-              <a:t>code </a:t>
-            </a:r>
-            <a:r>
-              <a:rPr lang="en-US" dirty="0" smtClean="0"/>
-              <a:t>from </a:t>
-            </a:r>
-            <a:r>
-              <a:rPr lang="en-US" dirty="0" smtClean="0"/>
-              <a:t>a UML </a:t>
-            </a:r>
-            <a:r>
-              <a:rPr lang="en-US" dirty="0" smtClean="0"/>
-              <a:t>diagram</a:t>
+              <a:t>Generate code from a UML diagram</a:t>
             </a:r>
           </a:p>
           <a:p>
@@ -3465,22 +3663,27 @@
               <a:rPr lang="en-US" dirty="0" smtClean="0"/>
               <a:t>Choice of language</a:t>
             </a:r>
-            <a:endParaRPr lang="en-US" dirty="0" smtClean="0"/>
-          </a:p>
-          <a:p>
-            <a:r>
-              <a:rPr lang="en-US" dirty="0" smtClean="0"/>
-              <a:t>Quickly generate </a:t>
-            </a:r>
-            <a:r>
-              <a:rPr lang="en-US" dirty="0" smtClean="0"/>
-              <a:t>stub code</a:t>
-            </a:r>
-          </a:p>
-          <a:p>
-            <a:r>
-              <a:rPr lang="en-US" dirty="0" smtClean="0"/>
-              <a:t>Useful for shortening development time</a:t>
+          </a:p>
+          <a:p>
+            <a:r>
+              <a:rPr lang="en-US" dirty="0" smtClean="0"/>
+              <a:t>Quickly generate stub code</a:t>
+            </a:r>
+          </a:p>
+          <a:p>
+            <a:r>
+              <a:rPr lang="en-US" dirty="0" smtClean="0"/>
+              <a:t>Useful for shortening development </a:t>
+            </a:r>
+            <a:r>
+              <a:rPr lang="en-US" dirty="0" smtClean="0"/>
+              <a:t>time</a:t>
+            </a:r>
+          </a:p>
+          <a:p>
+            <a:r>
+              <a:rPr lang="en-US" dirty="0" smtClean="0"/>
+              <a:t>Available as open source project</a:t>
             </a:r>
             <a:endParaRPr lang="en-US" dirty="0"/>
           </a:p>
@@ -3698,7 +3901,6 @@
               <a:rPr lang="en-US" sz="2000" dirty="0" smtClean="0"/>
               <a:t>bjects </a:t>
             </a:r>
-            <a:endParaRPr lang="en-US" sz="2000" dirty="0" smtClean="0"/>
           </a:p>
           <a:p>
             <a:r>
@@ -3751,7 +3953,6 @@
               <a:rPr lang="en-US" sz="2000" dirty="0" smtClean="0"/>
               <a:t>Buttons change GUI</a:t>
             </a:r>
-            <a:endParaRPr lang="en-US" sz="2000" dirty="0" smtClean="0"/>
           </a:p>
           <a:p>
             <a:r>
@@ -3778,7 +3979,6 @@
               <a:rPr lang="en-US" sz="2000" dirty="0" smtClean="0"/>
               <a:t>Update GUI from application logic</a:t>
             </a:r>
-            <a:endParaRPr lang="en-US" sz="2000" dirty="0" smtClean="0"/>
           </a:p>
           <a:p>
             <a:pPr lvl="1"/>
@@ -3846,7 +4046,7 @@
           <a:p>
             <a:r>
               <a:rPr lang="en-US" dirty="0" smtClean="0"/>
-              <a:t>UML - Composite</a:t>
+              <a:t>UML – State and Singleton</a:t>
             </a:r>
             <a:endParaRPr lang="en-US" dirty="0"/>
           </a:p>
@@ -3876,15 +4076,15 @@
         </p:blipFill>
         <p:spPr>
           <a:xfrm>
-            <a:off x="936110" y="1825625"/>
-            <a:ext cx="10319780" cy="4351338"/>
+            <a:off x="3533728" y="1825625"/>
+            <a:ext cx="5124543" cy="4351338"/>
           </a:xfrm>
         </p:spPr>
       </p:pic>
     </p:spTree>
     <p:extLst>
       <p:ext uri="{BB962C8B-B14F-4D97-AF65-F5344CB8AC3E}">
-        <p14:creationId xmlns:p14="http://schemas.microsoft.com/office/powerpoint/2010/main" val="1260003902"/>
+        <p14:creationId xmlns:p14="http://schemas.microsoft.com/office/powerpoint/2010/main" val="1047350380"/>
       </p:ext>
     </p:extLst>
   </p:cSld>
@@ -3935,7 +4135,7 @@
           <a:p>
             <a:r>
               <a:rPr lang="en-US" dirty="0" smtClean="0"/>
-              <a:t>UML – State and Singleton</a:t>
+              <a:t>UML - Composite</a:t>
             </a:r>
             <a:endParaRPr lang="en-US" dirty="0"/>
           </a:p>
@@ -3943,7 +4143,7 @@
       </p:sp>
       <p:pic>
         <p:nvPicPr>
-          <p:cNvPr id="4" name="Content Placeholder 3" descr="Screen Clipping"/>
+          <p:cNvPr id="4" name="Content Placeholder 3"/>
           <p:cNvPicPr>
             <a:picLocks noGrp="1" noChangeAspect="1"/>
           </p:cNvPicPr>
@@ -3965,15 +4165,15 @@
         </p:blipFill>
         <p:spPr>
           <a:xfrm>
-            <a:off x="3559745" y="1825625"/>
-            <a:ext cx="5072509" cy="4351338"/>
+            <a:off x="2069610" y="1825625"/>
+            <a:ext cx="8052780" cy="4351338"/>
           </a:xfrm>
         </p:spPr>
       </p:pic>
     </p:spTree>
     <p:extLst>
       <p:ext uri="{BB962C8B-B14F-4D97-AF65-F5344CB8AC3E}">
-        <p14:creationId xmlns:p14="http://schemas.microsoft.com/office/powerpoint/2010/main" val="1047350380"/>
+        <p14:creationId xmlns:p14="http://schemas.microsoft.com/office/powerpoint/2010/main" val="1260003902"/>
       </p:ext>
     </p:extLst>
   </p:cSld>
@@ -4032,7 +4232,7 @@
       </p:sp>
       <p:pic>
         <p:nvPicPr>
-          <p:cNvPr id="4" name="Content Placeholder 3" descr="Screen Clipping"/>
+          <p:cNvPr id="5" name="Content Placeholder 4" descr="Screen Clipping"/>
           <p:cNvPicPr>
             <a:picLocks noGrp="1" noChangeAspect="1"/>
           </p:cNvPicPr>
@@ -4054,8 +4254,8 @@
         </p:blipFill>
         <p:spPr>
           <a:xfrm>
-            <a:off x="838200" y="2036489"/>
-            <a:ext cx="10515600" cy="3929609"/>
+            <a:off x="838200" y="1916741"/>
+            <a:ext cx="10515600" cy="4169106"/>
           </a:xfrm>
         </p:spPr>
       </p:pic>
@@ -4080,6 +4280,88 @@
 </file>
 
 <file path=ppt/slides/slide8.xml><?xml version="1.0" encoding="utf-8"?>
+<p:sld xmlns:a="http://schemas.openxmlformats.org/drawingml/2006/main" xmlns:r="http://schemas.openxmlformats.org/officeDocument/2006/relationships" xmlns:p="http://schemas.openxmlformats.org/presentationml/2006/main">
+  <p:cSld>
+    <p:spTree>
+      <p:nvGrpSpPr>
+        <p:cNvPr id="1" name=""/>
+        <p:cNvGrpSpPr/>
+        <p:nvPr/>
+      </p:nvGrpSpPr>
+      <p:grpSpPr>
+        <a:xfrm>
+          <a:off x="0" y="0"/>
+          <a:ext cx="0" cy="0"/>
+          <a:chOff x="0" y="0"/>
+          <a:chExt cx="0" cy="0"/>
+        </a:xfrm>
+      </p:grpSpPr>
+      <p:sp>
+        <p:nvSpPr>
+          <p:cNvPr id="2" name="Title 1"/>
+          <p:cNvSpPr>
+            <a:spLocks noGrp="1"/>
+          </p:cNvSpPr>
+          <p:nvPr>
+            <p:ph type="title"/>
+          </p:nvPr>
+        </p:nvSpPr>
+        <p:spPr/>
+        <p:txBody>
+          <a:bodyPr/>
+          <a:lstStyle/>
+          <a:p>
+            <a:r>
+              <a:rPr lang="en-US" dirty="0" smtClean="0"/>
+              <a:t>Abstract Overview</a:t>
+            </a:r>
+            <a:endParaRPr lang="en-US" dirty="0"/>
+          </a:p>
+        </p:txBody>
+      </p:sp>
+      <p:pic>
+        <p:nvPicPr>
+          <p:cNvPr id="4" name="Content Placeholder 3" descr="Screen Clipping"/>
+          <p:cNvPicPr>
+            <a:picLocks noGrp="1" noChangeAspect="1"/>
+          </p:cNvPicPr>
+          <p:nvPr>
+            <p:ph idx="1"/>
+          </p:nvPr>
+        </p:nvPicPr>
+        <p:blipFill>
+          <a:blip r:embed="rId2">
+            <a:extLst>
+              <a:ext uri="{28A0092B-C50C-407E-A947-70E740481C1C}">
+                <a14:useLocalDpi xmlns:a14="http://schemas.microsoft.com/office/drawing/2010/main" val="0"/>
+              </a:ext>
+            </a:extLst>
+          </a:blip>
+          <a:stretch>
+            <a:fillRect/>
+          </a:stretch>
+        </p:blipFill>
+        <p:spPr>
+          <a:xfrm>
+            <a:off x="2096871" y="1825625"/>
+            <a:ext cx="7998258" cy="4351338"/>
+          </a:xfrm>
+        </p:spPr>
+      </p:pic>
+    </p:spTree>
+    <p:extLst>
+      <p:ext uri="{BB962C8B-B14F-4D97-AF65-F5344CB8AC3E}">
+        <p14:creationId xmlns:p14="http://schemas.microsoft.com/office/powerpoint/2010/main" val="1378190625"/>
+      </p:ext>
+    </p:extLst>
+  </p:cSld>
+  <p:clrMapOvr>
+    <a:masterClrMapping/>
+  </p:clrMapOvr>
+</p:sld>
+</file>
+
+<file path=ppt/slides/slide9.xml><?xml version="1.0" encoding="utf-8"?>
 <p:sld xmlns:a="http://schemas.openxmlformats.org/drawingml/2006/main" xmlns:r="http://schemas.openxmlformats.org/officeDocument/2006/relationships" xmlns:p="http://schemas.openxmlformats.org/presentationml/2006/main">
   <p:cSld>
     <p:spTree>
@@ -4130,95 +4412,6 @@
     <p:extLst>
       <p:ext uri="{BB962C8B-B14F-4D97-AF65-F5344CB8AC3E}">
         <p14:creationId xmlns:p14="http://schemas.microsoft.com/office/powerpoint/2010/main" val="560769024"/>
-      </p:ext>
-    </p:extLst>
-  </p:cSld>
-  <p:clrMapOvr>
-    <a:masterClrMapping/>
-  </p:clrMapOvr>
-  <p:timing>
-    <p:tnLst>
-      <p:par>
-        <p:cTn id="1" dur="indefinite" restart="never" nodeType="tmRoot"/>
-      </p:par>
-    </p:tnLst>
-  </p:timing>
-</p:sld>
-</file>
-
-<file path=ppt/slides/slide9.xml><?xml version="1.0" encoding="utf-8"?>
-<p:sld xmlns:a="http://schemas.openxmlformats.org/drawingml/2006/main" xmlns:r="http://schemas.openxmlformats.org/officeDocument/2006/relationships" xmlns:p="http://schemas.openxmlformats.org/presentationml/2006/main">
-  <p:cSld>
-    <p:spTree>
-      <p:nvGrpSpPr>
-        <p:cNvPr id="1" name=""/>
-        <p:cNvGrpSpPr/>
-        <p:nvPr/>
-      </p:nvGrpSpPr>
-      <p:grpSpPr>
-        <a:xfrm>
-          <a:off x="0" y="0"/>
-          <a:ext cx="0" cy="0"/>
-          <a:chOff x="0" y="0"/>
-          <a:chExt cx="0" cy="0"/>
-        </a:xfrm>
-      </p:grpSpPr>
-      <p:sp>
-        <p:nvSpPr>
-          <p:cNvPr id="2" name="Title 1"/>
-          <p:cNvSpPr>
-            <a:spLocks noGrp="1"/>
-          </p:cNvSpPr>
-          <p:nvPr>
-            <p:ph type="title"/>
-          </p:nvPr>
-        </p:nvSpPr>
-        <p:spPr/>
-        <p:txBody>
-          <a:bodyPr/>
-          <a:lstStyle/>
-          <a:p>
-            <a:r>
-              <a:rPr lang="en-US" dirty="0" smtClean="0"/>
-              <a:t>UML - Overview</a:t>
-            </a:r>
-            <a:endParaRPr lang="en-US" dirty="0"/>
-          </a:p>
-        </p:txBody>
-      </p:sp>
-      <p:pic>
-        <p:nvPicPr>
-          <p:cNvPr id="4" name="Content Placeholder 3" descr="Screen Clipping"/>
-          <p:cNvPicPr>
-            <a:picLocks noGrp="1" noChangeAspect="1"/>
-          </p:cNvPicPr>
-          <p:nvPr>
-            <p:ph idx="1"/>
-          </p:nvPr>
-        </p:nvPicPr>
-        <p:blipFill>
-          <a:blip r:embed="rId2">
-            <a:extLst>
-              <a:ext uri="{28A0092B-C50C-407E-A947-70E740481C1C}">
-                <a14:useLocalDpi xmlns:a14="http://schemas.microsoft.com/office/drawing/2010/main" val="0"/>
-              </a:ext>
-            </a:extLst>
-          </a:blip>
-          <a:stretch>
-            <a:fillRect/>
-          </a:stretch>
-        </p:blipFill>
-        <p:spPr>
-          <a:xfrm>
-            <a:off x="830410" y="1506828"/>
-            <a:ext cx="10523390" cy="4901955"/>
-          </a:xfrm>
-        </p:spPr>
-      </p:pic>
-    </p:spTree>
-    <p:extLst>
-      <p:ext uri="{BB962C8B-B14F-4D97-AF65-F5344CB8AC3E}">
-        <p14:creationId xmlns:p14="http://schemas.microsoft.com/office/powerpoint/2010/main" val="1540701525"/>
       </p:ext>
     </p:extLst>
   </p:cSld>

--- a/docs/proposal presentation.pptx
+++ b/docs/proposal presentation.pptx
@@ -9,16 +9,17 @@
     <p:sldId id="257" r:id="rId3"/>
     <p:sldId id="260" r:id="rId4"/>
     <p:sldId id="258" r:id="rId5"/>
-    <p:sldId id="264" r:id="rId6"/>
-    <p:sldId id="262" r:id="rId7"/>
-    <p:sldId id="265" r:id="rId8"/>
-    <p:sldId id="269" r:id="rId9"/>
-    <p:sldId id="267" r:id="rId10"/>
-    <p:sldId id="266" r:id="rId11"/>
-    <p:sldId id="259" r:id="rId12"/>
-    <p:sldId id="261" r:id="rId13"/>
-    <p:sldId id="263" r:id="rId14"/>
-    <p:sldId id="268" r:id="rId15"/>
+    <p:sldId id="270" r:id="rId6"/>
+    <p:sldId id="264" r:id="rId7"/>
+    <p:sldId id="262" r:id="rId8"/>
+    <p:sldId id="265" r:id="rId9"/>
+    <p:sldId id="269" r:id="rId10"/>
+    <p:sldId id="267" r:id="rId11"/>
+    <p:sldId id="266" r:id="rId12"/>
+    <p:sldId id="259" r:id="rId13"/>
+    <p:sldId id="261" r:id="rId14"/>
+    <p:sldId id="263" r:id="rId15"/>
+    <p:sldId id="268" r:id="rId16"/>
   </p:sldIdLst>
   <p:sldSz cx="12192000" cy="6858000"/>
   <p:notesSz cx="6858000" cy="9144000"/>
@@ -256,7 +257,7 @@
           <a:p>
             <a:fld id="{C764DE79-268F-4C1A-8933-263129D2AF90}" type="datetimeFigureOut">
               <a:rPr lang="en-US" dirty="0"/>
-              <a:t>10/26/2015</a:t>
+              <a:t>10/27/2015</a:t>
             </a:fld>
             <a:endParaRPr lang="en-US" dirty="0"/>
           </a:p>
@@ -421,7 +422,7 @@
           <a:p>
             <a:fld id="{C764DE79-268F-4C1A-8933-263129D2AF90}" type="datetimeFigureOut">
               <a:rPr lang="en-US" dirty="0"/>
-              <a:t>10/26/2015</a:t>
+              <a:t>10/27/2015</a:t>
             </a:fld>
             <a:endParaRPr lang="en-US" dirty="0"/>
           </a:p>
@@ -596,7 +597,7 @@
           <a:p>
             <a:fld id="{C764DE79-268F-4C1A-8933-263129D2AF90}" type="datetimeFigureOut">
               <a:rPr lang="en-US" dirty="0"/>
-              <a:t>10/26/2015</a:t>
+              <a:t>10/27/2015</a:t>
             </a:fld>
             <a:endParaRPr lang="en-US" dirty="0"/>
           </a:p>
@@ -761,7 +762,7 @@
           <a:p>
             <a:fld id="{C764DE79-268F-4C1A-8933-263129D2AF90}" type="datetimeFigureOut">
               <a:rPr lang="en-US" dirty="0"/>
-              <a:t>10/26/2015</a:t>
+              <a:t>10/27/2015</a:t>
             </a:fld>
             <a:endParaRPr lang="en-US" dirty="0"/>
           </a:p>
@@ -1002,7 +1003,7 @@
           <a:p>
             <a:fld id="{C764DE79-268F-4C1A-8933-263129D2AF90}" type="datetimeFigureOut">
               <a:rPr lang="en-US" dirty="0"/>
-              <a:t>10/26/2015</a:t>
+              <a:t>10/27/2015</a:t>
             </a:fld>
             <a:endParaRPr lang="en-US" dirty="0"/>
           </a:p>
@@ -1229,7 +1230,7 @@
           <a:p>
             <a:fld id="{C764DE79-268F-4C1A-8933-263129D2AF90}" type="datetimeFigureOut">
               <a:rPr lang="en-US" dirty="0"/>
-              <a:t>10/26/2015</a:t>
+              <a:t>10/27/2015</a:t>
             </a:fld>
             <a:endParaRPr lang="en-US" dirty="0"/>
           </a:p>
@@ -1591,7 +1592,7 @@
           <a:p>
             <a:fld id="{C764DE79-268F-4C1A-8933-263129D2AF90}" type="datetimeFigureOut">
               <a:rPr lang="en-US" dirty="0"/>
-              <a:t>10/26/2015</a:t>
+              <a:t>10/27/2015</a:t>
             </a:fld>
             <a:endParaRPr lang="en-US" dirty="0"/>
           </a:p>
@@ -1704,7 +1705,7 @@
           <a:p>
             <a:fld id="{C764DE79-268F-4C1A-8933-263129D2AF90}" type="datetimeFigureOut">
               <a:rPr lang="en-US" dirty="0"/>
-              <a:t>10/26/2015</a:t>
+              <a:t>10/27/2015</a:t>
             </a:fld>
             <a:endParaRPr lang="en-US" dirty="0"/>
           </a:p>
@@ -1794,7 +1795,7 @@
           <a:p>
             <a:fld id="{C764DE79-268F-4C1A-8933-263129D2AF90}" type="datetimeFigureOut">
               <a:rPr lang="en-US" dirty="0"/>
-              <a:t>10/26/2015</a:t>
+              <a:t>10/27/2015</a:t>
             </a:fld>
             <a:endParaRPr lang="en-US" dirty="0"/>
           </a:p>
@@ -2066,7 +2067,7 @@
           <a:p>
             <a:fld id="{C764DE79-268F-4C1A-8933-263129D2AF90}" type="datetimeFigureOut">
               <a:rPr lang="en-US" dirty="0"/>
-              <a:t>10/26/2015</a:t>
+              <a:t>10/27/2015</a:t>
             </a:fld>
             <a:endParaRPr lang="en-US" dirty="0"/>
           </a:p>
@@ -2318,7 +2319,7 @@
           <a:p>
             <a:fld id="{C764DE79-268F-4C1A-8933-263129D2AF90}" type="datetimeFigureOut">
               <a:rPr lang="en-US" dirty="0"/>
-              <a:t>10/26/2015</a:t>
+              <a:t>10/27/2015</a:t>
             </a:fld>
             <a:endParaRPr lang="en-US" dirty="0"/>
           </a:p>
@@ -2526,7 +2527,7 @@
           <a:p>
             <a:fld id="{C764DE79-268F-4C1A-8933-263129D2AF90}" type="datetimeFigureOut">
               <a:rPr lang="en-US" dirty="0"/>
-              <a:t>10/26/2015</a:t>
+              <a:t>10/27/2015</a:t>
             </a:fld>
             <a:endParaRPr lang="en-US" dirty="0"/>
           </a:p>
@@ -2982,88 +2983,6 @@
   <p:clrMapOvr>
     <a:masterClrMapping/>
   </p:clrMapOvr>
-</p:sld>
-</file>
-
-<file path=ppt/slides/slide10.xml><?xml version="1.0" encoding="utf-8"?>
-<p:sld xmlns:a="http://schemas.openxmlformats.org/drawingml/2006/main" xmlns:r="http://schemas.openxmlformats.org/officeDocument/2006/relationships" xmlns:p="http://schemas.openxmlformats.org/presentationml/2006/main">
-  <p:cSld>
-    <p:spTree>
-      <p:nvGrpSpPr>
-        <p:cNvPr id="1" name=""/>
-        <p:cNvGrpSpPr/>
-        <p:nvPr/>
-      </p:nvGrpSpPr>
-      <p:grpSpPr>
-        <a:xfrm>
-          <a:off x="0" y="0"/>
-          <a:ext cx="0" cy="0"/>
-          <a:chOff x="0" y="0"/>
-          <a:chExt cx="0" cy="0"/>
-        </a:xfrm>
-      </p:grpSpPr>
-      <p:sp>
-        <p:nvSpPr>
-          <p:cNvPr id="2" name="Title 1"/>
-          <p:cNvSpPr>
-            <a:spLocks noGrp="1"/>
-          </p:cNvSpPr>
-          <p:nvPr>
-            <p:ph type="title"/>
-          </p:nvPr>
-        </p:nvSpPr>
-        <p:spPr/>
-        <p:txBody>
-          <a:bodyPr/>
-          <a:lstStyle/>
-          <a:p>
-            <a:r>
-              <a:rPr lang="en-US" dirty="0" smtClean="0"/>
-              <a:t>UML - Overview</a:t>
-            </a:r>
-            <a:endParaRPr lang="en-US" dirty="0"/>
-          </a:p>
-        </p:txBody>
-      </p:sp>
-      <p:pic>
-        <p:nvPicPr>
-          <p:cNvPr id="6" name="Content Placeholder 5"/>
-          <p:cNvPicPr>
-            <a:picLocks noGrp="1" noChangeAspect="1"/>
-          </p:cNvPicPr>
-          <p:nvPr>
-            <p:ph idx="1"/>
-          </p:nvPr>
-        </p:nvPicPr>
-        <p:blipFill>
-          <a:blip r:embed="rId2">
-            <a:extLst>
-              <a:ext uri="{28A0092B-C50C-407E-A947-70E740481C1C}">
-                <a14:useLocalDpi xmlns:a14="http://schemas.microsoft.com/office/drawing/2010/main" val="0"/>
-              </a:ext>
-            </a:extLst>
-          </a:blip>
-          <a:stretch>
-            <a:fillRect/>
-          </a:stretch>
-        </p:blipFill>
-        <p:spPr>
-          <a:xfrm>
-            <a:off x="1171120" y="1262129"/>
-            <a:ext cx="9849760" cy="5126023"/>
-          </a:xfrm>
-        </p:spPr>
-      </p:pic>
-    </p:spTree>
-    <p:extLst>
-      <p:ext uri="{BB962C8B-B14F-4D97-AF65-F5344CB8AC3E}">
-        <p14:creationId xmlns:p14="http://schemas.microsoft.com/office/powerpoint/2010/main" val="1540701525"/>
-      </p:ext>
-    </p:extLst>
-  </p:cSld>
-  <p:clrMapOvr>
-    <a:masterClrMapping/>
-  </p:clrMapOvr>
   <p:timing>
     <p:tnLst>
       <p:par>
@@ -3074,1294 +2993,7 @@
 </p:sld>
 </file>
 
-<file path=ppt/slides/slide11.xml><?xml version="1.0" encoding="utf-8"?>
-<p:sld xmlns:a="http://schemas.openxmlformats.org/drawingml/2006/main" xmlns:r="http://schemas.openxmlformats.org/officeDocument/2006/relationships" xmlns:p="http://schemas.openxmlformats.org/presentationml/2006/main">
-  <p:cSld>
-    <p:spTree>
-      <p:nvGrpSpPr>
-        <p:cNvPr id="1" name=""/>
-        <p:cNvGrpSpPr/>
-        <p:nvPr/>
-      </p:nvGrpSpPr>
-      <p:grpSpPr>
-        <a:xfrm>
-          <a:off x="0" y="0"/>
-          <a:ext cx="0" cy="0"/>
-          <a:chOff x="0" y="0"/>
-          <a:chExt cx="0" cy="0"/>
-        </a:xfrm>
-      </p:grpSpPr>
-      <p:sp>
-        <p:nvSpPr>
-          <p:cNvPr id="2" name="Title 1"/>
-          <p:cNvSpPr>
-            <a:spLocks noGrp="1"/>
-          </p:cNvSpPr>
-          <p:nvPr>
-            <p:ph type="title"/>
-          </p:nvPr>
-        </p:nvSpPr>
-        <p:spPr/>
-        <p:txBody>
-          <a:bodyPr/>
-          <a:lstStyle/>
-          <a:p>
-            <a:r>
-              <a:rPr lang="en-US" dirty="0" smtClean="0"/>
-              <a:t>Functional Requirements</a:t>
-            </a:r>
-            <a:endParaRPr lang="en-US" dirty="0"/>
-          </a:p>
-        </p:txBody>
-      </p:sp>
-      <p:sp>
-        <p:nvSpPr>
-          <p:cNvPr id="3" name="Content Placeholder 2"/>
-          <p:cNvSpPr>
-            <a:spLocks noGrp="1"/>
-          </p:cNvSpPr>
-          <p:nvPr>
-            <p:ph idx="1"/>
-          </p:nvPr>
-        </p:nvSpPr>
-        <p:spPr/>
-        <p:txBody>
-          <a:bodyPr/>
-          <a:lstStyle/>
-          <a:p>
-            <a:pPr marL="0" indent="0">
-              <a:buNone/>
-            </a:pPr>
-            <a:r>
-              <a:rPr lang="en-US" dirty="0" smtClean="0"/>
-              <a:t>A user should be able to…</a:t>
-            </a:r>
-          </a:p>
-          <a:p>
-            <a:r>
-              <a:rPr lang="en-US" dirty="0" smtClean="0"/>
-              <a:t>Make a new class or interface</a:t>
-            </a:r>
-          </a:p>
-          <a:p>
-            <a:r>
-              <a:rPr lang="en-US" dirty="0" smtClean="0"/>
-              <a:t>Specify a parent </a:t>
-            </a:r>
-            <a:r>
-              <a:rPr lang="en-US" dirty="0" smtClean="0"/>
-              <a:t>class or referenced classes</a:t>
-            </a:r>
-            <a:endParaRPr lang="en-US" dirty="0" smtClean="0"/>
-          </a:p>
-          <a:p>
-            <a:r>
-              <a:rPr lang="en-US" dirty="0" smtClean="0"/>
-              <a:t>Add attributes and methods</a:t>
-            </a:r>
-          </a:p>
-          <a:p>
-            <a:r>
-              <a:rPr lang="en-US" dirty="0" smtClean="0"/>
-              <a:t>Click and drag classes</a:t>
-            </a:r>
-          </a:p>
-          <a:p>
-            <a:r>
-              <a:rPr lang="en-US" dirty="0" smtClean="0"/>
-              <a:t>Generate code in a supported </a:t>
-            </a:r>
-            <a:r>
-              <a:rPr lang="en-US" dirty="0" smtClean="0"/>
-              <a:t>language</a:t>
-            </a:r>
-          </a:p>
-          <a:p>
-            <a:r>
-              <a:rPr lang="en-US" dirty="0" smtClean="0"/>
-              <a:t>Export UML Diagram as image</a:t>
-            </a:r>
-            <a:endParaRPr lang="en-US" dirty="0" smtClean="0"/>
-          </a:p>
-        </p:txBody>
-      </p:sp>
-    </p:spTree>
-    <p:extLst>
-      <p:ext uri="{BB962C8B-B14F-4D97-AF65-F5344CB8AC3E}">
-        <p14:creationId xmlns:p14="http://schemas.microsoft.com/office/powerpoint/2010/main" val="2930590128"/>
-      </p:ext>
-    </p:extLst>
-  </p:cSld>
-  <p:clrMapOvr>
-    <a:masterClrMapping/>
-  </p:clrMapOvr>
-  <p:timing>
-    <p:tnLst>
-      <p:par>
-        <p:cTn id="1" dur="indefinite" restart="never" nodeType="tmRoot"/>
-      </p:par>
-    </p:tnLst>
-  </p:timing>
-</p:sld>
-</file>
-
-<file path=ppt/slides/slide12.xml><?xml version="1.0" encoding="utf-8"?>
-<p:sld xmlns:a="http://schemas.openxmlformats.org/drawingml/2006/main" xmlns:r="http://schemas.openxmlformats.org/officeDocument/2006/relationships" xmlns:p="http://schemas.openxmlformats.org/presentationml/2006/main">
-  <p:cSld>
-    <p:spTree>
-      <p:nvGrpSpPr>
-        <p:cNvPr id="1" name=""/>
-        <p:cNvGrpSpPr/>
-        <p:nvPr/>
-      </p:nvGrpSpPr>
-      <p:grpSpPr>
-        <a:xfrm>
-          <a:off x="0" y="0"/>
-          <a:ext cx="0" cy="0"/>
-          <a:chOff x="0" y="0"/>
-          <a:chExt cx="0" cy="0"/>
-        </a:xfrm>
-      </p:grpSpPr>
-      <p:sp>
-        <p:nvSpPr>
-          <p:cNvPr id="2" name="Title 1"/>
-          <p:cNvSpPr>
-            <a:spLocks noGrp="1"/>
-          </p:cNvSpPr>
-          <p:nvPr>
-            <p:ph type="title"/>
-          </p:nvPr>
-        </p:nvSpPr>
-        <p:spPr/>
-        <p:txBody>
-          <a:bodyPr/>
-          <a:lstStyle/>
-          <a:p>
-            <a:r>
-              <a:rPr lang="en-US" dirty="0" smtClean="0"/>
-              <a:t>Non-Functional Requirements</a:t>
-            </a:r>
-            <a:endParaRPr lang="en-US" dirty="0"/>
-          </a:p>
-        </p:txBody>
-      </p:sp>
-      <p:sp>
-        <p:nvSpPr>
-          <p:cNvPr id="3" name="Content Placeholder 2"/>
-          <p:cNvSpPr>
-            <a:spLocks noGrp="1"/>
-          </p:cNvSpPr>
-          <p:nvPr>
-            <p:ph idx="1"/>
-          </p:nvPr>
-        </p:nvSpPr>
-        <p:spPr/>
-        <p:txBody>
-          <a:bodyPr/>
-          <a:lstStyle/>
-          <a:p>
-            <a:r>
-              <a:rPr lang="en-US" dirty="0" smtClean="0"/>
-              <a:t>Platform independent</a:t>
-            </a:r>
-          </a:p>
-          <a:p>
-            <a:r>
-              <a:rPr lang="en-US" dirty="0" smtClean="0"/>
-              <a:t>Unit testing with </a:t>
-            </a:r>
-            <a:r>
-              <a:rPr lang="en-US" dirty="0" err="1" smtClean="0"/>
-              <a:t>QtTest</a:t>
-            </a:r>
-            <a:endParaRPr lang="en-US" dirty="0" smtClean="0"/>
-          </a:p>
-          <a:p>
-            <a:r>
-              <a:rPr lang="en-US" dirty="0" smtClean="0"/>
-              <a:t>Maintainable and Extendable</a:t>
-            </a:r>
-          </a:p>
-          <a:p>
-            <a:pPr lvl="1"/>
-            <a:r>
-              <a:rPr lang="en-US" dirty="0" smtClean="0"/>
-              <a:t>Add </a:t>
-            </a:r>
-            <a:r>
-              <a:rPr lang="en-US" dirty="0" smtClean="0"/>
-              <a:t>support for OO languages (Strategy)</a:t>
-            </a:r>
-          </a:p>
-          <a:p>
-            <a:pPr lvl="1"/>
-            <a:r>
-              <a:rPr lang="en-US" dirty="0" smtClean="0"/>
-              <a:t>Create </a:t>
-            </a:r>
-            <a:r>
-              <a:rPr lang="en-US" dirty="0" smtClean="0"/>
-              <a:t>various objects at run time (Factory)</a:t>
-            </a:r>
-          </a:p>
-          <a:p>
-            <a:pPr lvl="1"/>
-            <a:r>
-              <a:rPr lang="en-US" dirty="0" smtClean="0"/>
-              <a:t>Add and Remove features to GUI (State)</a:t>
-            </a:r>
-            <a:endParaRPr lang="en-US" dirty="0" smtClean="0"/>
-          </a:p>
-          <a:p>
-            <a:endParaRPr lang="en-US" dirty="0" smtClean="0"/>
-          </a:p>
-          <a:p>
-            <a:endParaRPr lang="en-US" dirty="0" smtClean="0"/>
-          </a:p>
-          <a:p>
-            <a:pPr lvl="1"/>
-            <a:endParaRPr lang="en-US" dirty="0"/>
-          </a:p>
-        </p:txBody>
-      </p:sp>
-    </p:spTree>
-    <p:extLst>
-      <p:ext uri="{BB962C8B-B14F-4D97-AF65-F5344CB8AC3E}">
-        <p14:creationId xmlns:p14="http://schemas.microsoft.com/office/powerpoint/2010/main" val="4065165272"/>
-      </p:ext>
-    </p:extLst>
-  </p:cSld>
-  <p:clrMapOvr>
-    <a:masterClrMapping/>
-  </p:clrMapOvr>
-</p:sld>
-</file>
-
-<file path=ppt/slides/slide13.xml><?xml version="1.0" encoding="utf-8"?>
-<p:sld xmlns:a="http://schemas.openxmlformats.org/drawingml/2006/main" xmlns:r="http://schemas.openxmlformats.org/officeDocument/2006/relationships" xmlns:p="http://schemas.openxmlformats.org/presentationml/2006/main">
-  <p:cSld>
-    <p:spTree>
-      <p:nvGrpSpPr>
-        <p:cNvPr id="1" name=""/>
-        <p:cNvGrpSpPr/>
-        <p:nvPr/>
-      </p:nvGrpSpPr>
-      <p:grpSpPr>
-        <a:xfrm>
-          <a:off x="0" y="0"/>
-          <a:ext cx="0" cy="0"/>
-          <a:chOff x="0" y="0"/>
-          <a:chExt cx="0" cy="0"/>
-        </a:xfrm>
-      </p:grpSpPr>
-      <p:sp>
-        <p:nvSpPr>
-          <p:cNvPr id="2" name="Title 1"/>
-          <p:cNvSpPr>
-            <a:spLocks noGrp="1"/>
-          </p:cNvSpPr>
-          <p:nvPr>
-            <p:ph type="title"/>
-          </p:nvPr>
-        </p:nvSpPr>
-        <p:spPr/>
-        <p:txBody>
-          <a:bodyPr/>
-          <a:lstStyle/>
-          <a:p>
-            <a:r>
-              <a:rPr lang="en-US" dirty="0" smtClean="0"/>
-              <a:t>Use Cases</a:t>
-            </a:r>
-            <a:endParaRPr lang="en-US" dirty="0"/>
-          </a:p>
-        </p:txBody>
-      </p:sp>
-      <p:sp>
-        <p:nvSpPr>
-          <p:cNvPr id="3" name="Content Placeholder 2"/>
-          <p:cNvSpPr>
-            <a:spLocks noGrp="1"/>
-          </p:cNvSpPr>
-          <p:nvPr>
-            <p:ph idx="1"/>
-          </p:nvPr>
-        </p:nvSpPr>
-        <p:spPr/>
-        <p:txBody>
-          <a:bodyPr/>
-          <a:lstStyle/>
-          <a:p>
-            <a:r>
-              <a:rPr lang="en-US" dirty="0" smtClean="0"/>
-              <a:t>Create a class diagram</a:t>
-            </a:r>
-          </a:p>
-          <a:p>
-            <a:pPr lvl="1"/>
-            <a:r>
-              <a:rPr lang="en-US" dirty="0" smtClean="0"/>
-              <a:t>Create a class template</a:t>
-            </a:r>
-          </a:p>
-          <a:p>
-            <a:pPr lvl="1"/>
-            <a:r>
-              <a:rPr lang="en-US" dirty="0" smtClean="0"/>
-              <a:t>Add class methods and attributes when given</a:t>
-            </a:r>
-          </a:p>
-          <a:p>
-            <a:pPr lvl="1"/>
-            <a:r>
-              <a:rPr lang="en-US" dirty="0" smtClean="0"/>
-              <a:t>Specify base class</a:t>
-            </a:r>
-          </a:p>
-          <a:p>
-            <a:pPr lvl="1"/>
-            <a:r>
-              <a:rPr lang="en-US" dirty="0" smtClean="0"/>
-              <a:t>Add references or contained classes</a:t>
-            </a:r>
-          </a:p>
-          <a:p>
-            <a:r>
-              <a:rPr lang="en-US" dirty="0" smtClean="0"/>
-              <a:t>Generate Code</a:t>
-            </a:r>
-          </a:p>
-          <a:p>
-            <a:pPr lvl="1"/>
-            <a:r>
-              <a:rPr lang="en-US" dirty="0" smtClean="0"/>
-              <a:t>Specify Language</a:t>
-            </a:r>
-          </a:p>
-          <a:p>
-            <a:pPr lvl="1"/>
-            <a:r>
-              <a:rPr lang="en-US" dirty="0" smtClean="0"/>
-              <a:t>Traverse class hierarchy</a:t>
-            </a:r>
-          </a:p>
-          <a:p>
-            <a:pPr lvl="1"/>
-            <a:r>
-              <a:rPr lang="en-US" dirty="0" smtClean="0"/>
-              <a:t>Create files</a:t>
-            </a:r>
-          </a:p>
-          <a:p>
-            <a:pPr lvl="1"/>
-            <a:r>
-              <a:rPr lang="en-US" dirty="0" smtClean="0"/>
-              <a:t>Generate stub code</a:t>
-            </a:r>
-            <a:endParaRPr lang="en-US" dirty="0" smtClean="0"/>
-          </a:p>
-          <a:p>
-            <a:pPr lvl="1"/>
-            <a:endParaRPr lang="en-US" dirty="0" smtClean="0"/>
-          </a:p>
-          <a:p>
-            <a:pPr marL="457200" lvl="1" indent="0">
-              <a:buNone/>
-            </a:pPr>
-            <a:endParaRPr lang="en-US" dirty="0"/>
-          </a:p>
-        </p:txBody>
-      </p:sp>
-    </p:spTree>
-    <p:extLst>
-      <p:ext uri="{BB962C8B-B14F-4D97-AF65-F5344CB8AC3E}">
-        <p14:creationId xmlns:p14="http://schemas.microsoft.com/office/powerpoint/2010/main" val="1927099282"/>
-      </p:ext>
-    </p:extLst>
-  </p:cSld>
-  <p:clrMapOvr>
-    <a:masterClrMapping/>
-  </p:clrMapOvr>
-</p:sld>
-</file>
-
-<file path=ppt/slides/slide14.xml><?xml version="1.0" encoding="utf-8"?>
-<p:sld xmlns:a="http://schemas.openxmlformats.org/drawingml/2006/main" xmlns:r="http://schemas.openxmlformats.org/officeDocument/2006/relationships" xmlns:p="http://schemas.openxmlformats.org/presentationml/2006/main">
-  <p:cSld>
-    <p:spTree>
-      <p:nvGrpSpPr>
-        <p:cNvPr id="1" name=""/>
-        <p:cNvGrpSpPr/>
-        <p:nvPr/>
-      </p:nvGrpSpPr>
-      <p:grpSpPr>
-        <a:xfrm>
-          <a:off x="0" y="0"/>
-          <a:ext cx="0" cy="0"/>
-          <a:chOff x="0" y="0"/>
-          <a:chExt cx="0" cy="0"/>
-        </a:xfrm>
-      </p:grpSpPr>
-      <p:sp>
-        <p:nvSpPr>
-          <p:cNvPr id="2" name="Title 1"/>
-          <p:cNvSpPr>
-            <a:spLocks noGrp="1"/>
-          </p:cNvSpPr>
-          <p:nvPr>
-            <p:ph type="title"/>
-          </p:nvPr>
-        </p:nvSpPr>
-        <p:spPr/>
-        <p:txBody>
-          <a:bodyPr/>
-          <a:lstStyle/>
-          <a:p>
-            <a:r>
-              <a:rPr lang="en-US" dirty="0" smtClean="0"/>
-              <a:t>Environment</a:t>
-            </a:r>
-            <a:endParaRPr lang="en-US" dirty="0"/>
-          </a:p>
-        </p:txBody>
-      </p:sp>
-      <p:sp>
-        <p:nvSpPr>
-          <p:cNvPr id="3" name="Content Placeholder 2"/>
-          <p:cNvSpPr>
-            <a:spLocks noGrp="1"/>
-          </p:cNvSpPr>
-          <p:nvPr>
-            <p:ph idx="1"/>
-          </p:nvPr>
-        </p:nvSpPr>
-        <p:spPr/>
-        <p:txBody>
-          <a:bodyPr/>
-          <a:lstStyle/>
-          <a:p>
-            <a:r>
-              <a:rPr lang="en-US" dirty="0" smtClean="0"/>
-              <a:t>C++ (POSIX)</a:t>
-            </a:r>
-          </a:p>
-          <a:p>
-            <a:r>
-              <a:rPr lang="en-US" dirty="0" smtClean="0"/>
-              <a:t>QT Creator 3.5</a:t>
-            </a:r>
-          </a:p>
-          <a:p>
-            <a:pPr lvl="1"/>
-            <a:r>
-              <a:rPr lang="en-US" dirty="0" smtClean="0"/>
-              <a:t>QT Library 5.3 (GUI)</a:t>
-            </a:r>
-          </a:p>
-          <a:p>
-            <a:pPr lvl="1"/>
-            <a:r>
-              <a:rPr lang="en-US" dirty="0" err="1" smtClean="0"/>
-              <a:t>QtTest</a:t>
-            </a:r>
-            <a:endParaRPr lang="en-US" dirty="0" smtClean="0"/>
-          </a:p>
-          <a:p>
-            <a:r>
-              <a:rPr lang="en-US" dirty="0" err="1" smtClean="0"/>
-              <a:t>Git</a:t>
-            </a:r>
-            <a:endParaRPr lang="en-US" dirty="0" smtClean="0"/>
-          </a:p>
-          <a:p>
-            <a:endParaRPr lang="en-US" dirty="0"/>
-          </a:p>
-        </p:txBody>
-      </p:sp>
-    </p:spTree>
-    <p:extLst>
-      <p:ext uri="{BB962C8B-B14F-4D97-AF65-F5344CB8AC3E}">
-        <p14:creationId xmlns:p14="http://schemas.microsoft.com/office/powerpoint/2010/main" val="308500545"/>
-      </p:ext>
-    </p:extLst>
-  </p:cSld>
-  <p:clrMapOvr>
-    <a:masterClrMapping/>
-  </p:clrMapOvr>
-</p:sld>
-</file>
-
-<file path=ppt/slides/slide2.xml><?xml version="1.0" encoding="utf-8"?>
-<p:sld xmlns:a="http://schemas.openxmlformats.org/drawingml/2006/main" xmlns:r="http://schemas.openxmlformats.org/officeDocument/2006/relationships" xmlns:p="http://schemas.openxmlformats.org/presentationml/2006/main">
-  <p:cSld>
-    <p:spTree>
-      <p:nvGrpSpPr>
-        <p:cNvPr id="1" name=""/>
-        <p:cNvGrpSpPr/>
-        <p:nvPr/>
-      </p:nvGrpSpPr>
-      <p:grpSpPr>
-        <a:xfrm>
-          <a:off x="0" y="0"/>
-          <a:ext cx="0" cy="0"/>
-          <a:chOff x="0" y="0"/>
-          <a:chExt cx="0" cy="0"/>
-        </a:xfrm>
-      </p:grpSpPr>
-      <p:sp>
-        <p:nvSpPr>
-          <p:cNvPr id="2" name="Title 1"/>
-          <p:cNvSpPr>
-            <a:spLocks noGrp="1"/>
-          </p:cNvSpPr>
-          <p:nvPr>
-            <p:ph type="title"/>
-          </p:nvPr>
-        </p:nvSpPr>
-        <p:spPr/>
-        <p:txBody>
-          <a:bodyPr/>
-          <a:lstStyle/>
-          <a:p>
-            <a:r>
-              <a:rPr lang="en-US" dirty="0" smtClean="0"/>
-              <a:t>Overview</a:t>
-            </a:r>
-            <a:endParaRPr lang="en-US" dirty="0"/>
-          </a:p>
-        </p:txBody>
-      </p:sp>
-      <p:sp>
-        <p:nvSpPr>
-          <p:cNvPr id="3" name="Content Placeholder 2"/>
-          <p:cNvSpPr>
-            <a:spLocks noGrp="1"/>
-          </p:cNvSpPr>
-          <p:nvPr>
-            <p:ph idx="1"/>
-          </p:nvPr>
-        </p:nvSpPr>
-        <p:spPr/>
-        <p:txBody>
-          <a:bodyPr/>
-          <a:lstStyle/>
-          <a:p>
-            <a:r>
-              <a:rPr lang="en-US" dirty="0" smtClean="0"/>
-              <a:t>Generate a UML Diagram</a:t>
-            </a:r>
-          </a:p>
-          <a:p>
-            <a:r>
-              <a:rPr lang="en-US" dirty="0" smtClean="0"/>
-              <a:t>Generate code from a UML diagram</a:t>
-            </a:r>
-          </a:p>
-          <a:p>
-            <a:pPr lvl="1"/>
-            <a:r>
-              <a:rPr lang="en-US" dirty="0" smtClean="0"/>
-              <a:t>Choice of language</a:t>
-            </a:r>
-          </a:p>
-          <a:p>
-            <a:r>
-              <a:rPr lang="en-US" dirty="0" smtClean="0"/>
-              <a:t>Quickly generate stub code</a:t>
-            </a:r>
-          </a:p>
-          <a:p>
-            <a:r>
-              <a:rPr lang="en-US" dirty="0" smtClean="0"/>
-              <a:t>Useful for shortening development </a:t>
-            </a:r>
-            <a:r>
-              <a:rPr lang="en-US" dirty="0" smtClean="0"/>
-              <a:t>time</a:t>
-            </a:r>
-          </a:p>
-          <a:p>
-            <a:r>
-              <a:rPr lang="en-US" dirty="0" smtClean="0"/>
-              <a:t>Available as open source project</a:t>
-            </a:r>
-            <a:endParaRPr lang="en-US" dirty="0"/>
-          </a:p>
-        </p:txBody>
-      </p:sp>
-    </p:spTree>
-    <p:extLst>
-      <p:ext uri="{BB962C8B-B14F-4D97-AF65-F5344CB8AC3E}">
-        <p14:creationId xmlns:p14="http://schemas.microsoft.com/office/powerpoint/2010/main" val="3855222754"/>
-      </p:ext>
-    </p:extLst>
-  </p:cSld>
-  <p:clrMapOvr>
-    <a:masterClrMapping/>
-  </p:clrMapOvr>
-</p:sld>
-</file>
-
-<file path=ppt/slides/slide3.xml><?xml version="1.0" encoding="utf-8"?>
-<p:sld xmlns:a="http://schemas.openxmlformats.org/drawingml/2006/main" xmlns:r="http://schemas.openxmlformats.org/officeDocument/2006/relationships" xmlns:p="http://schemas.openxmlformats.org/presentationml/2006/main">
-  <p:cSld>
-    <p:spTree>
-      <p:nvGrpSpPr>
-        <p:cNvPr id="1" name=""/>
-        <p:cNvGrpSpPr/>
-        <p:nvPr/>
-      </p:nvGrpSpPr>
-      <p:grpSpPr>
-        <a:xfrm>
-          <a:off x="0" y="0"/>
-          <a:ext cx="0" cy="0"/>
-          <a:chOff x="0" y="0"/>
-          <a:chExt cx="0" cy="0"/>
-        </a:xfrm>
-      </p:grpSpPr>
-      <p:sp>
-        <p:nvSpPr>
-          <p:cNvPr id="2" name="Title 1"/>
-          <p:cNvSpPr>
-            <a:spLocks noGrp="1"/>
-          </p:cNvSpPr>
-          <p:nvPr>
-            <p:ph type="title"/>
-          </p:nvPr>
-        </p:nvSpPr>
-        <p:spPr/>
-        <p:txBody>
-          <a:bodyPr/>
-          <a:lstStyle/>
-          <a:p>
-            <a:r>
-              <a:rPr lang="en-US" dirty="0" smtClean="0"/>
-              <a:t>Supported Features</a:t>
-            </a:r>
-            <a:endParaRPr lang="en-US" dirty="0"/>
-          </a:p>
-        </p:txBody>
-      </p:sp>
-      <p:sp>
-        <p:nvSpPr>
-          <p:cNvPr id="3" name="Content Placeholder 2"/>
-          <p:cNvSpPr>
-            <a:spLocks noGrp="1"/>
-          </p:cNvSpPr>
-          <p:nvPr>
-            <p:ph idx="1"/>
-          </p:nvPr>
-        </p:nvSpPr>
-        <p:spPr/>
-        <p:txBody>
-          <a:bodyPr/>
-          <a:lstStyle/>
-          <a:p>
-            <a:r>
-              <a:rPr lang="en-US" dirty="0" smtClean="0"/>
-              <a:t>Inheritance</a:t>
-            </a:r>
-          </a:p>
-          <a:p>
-            <a:r>
-              <a:rPr lang="en-US" dirty="0" smtClean="0"/>
-              <a:t>Aggregation (reference)</a:t>
-            </a:r>
-          </a:p>
-          <a:p>
-            <a:r>
-              <a:rPr lang="en-US" dirty="0" smtClean="0"/>
-              <a:t>Composition</a:t>
-            </a:r>
-          </a:p>
-          <a:p>
-            <a:r>
-              <a:rPr lang="en-US" dirty="0" smtClean="0"/>
-              <a:t>Access Notation</a:t>
-            </a:r>
-          </a:p>
-          <a:p>
-            <a:pPr lvl="1"/>
-            <a:r>
-              <a:rPr lang="en-US" dirty="0" smtClean="0"/>
-              <a:t>Private</a:t>
-            </a:r>
-          </a:p>
-          <a:p>
-            <a:pPr lvl="1"/>
-            <a:r>
-              <a:rPr lang="en-US" dirty="0" smtClean="0"/>
-              <a:t>Public</a:t>
-            </a:r>
-          </a:p>
-          <a:p>
-            <a:pPr lvl="1"/>
-            <a:r>
-              <a:rPr lang="en-US" dirty="0" smtClean="0"/>
-              <a:t>Protected</a:t>
-            </a:r>
-          </a:p>
-          <a:p>
-            <a:pPr lvl="1"/>
-            <a:endParaRPr lang="en-US" dirty="0"/>
-          </a:p>
-        </p:txBody>
-      </p:sp>
-    </p:spTree>
-    <p:extLst>
-      <p:ext uri="{BB962C8B-B14F-4D97-AF65-F5344CB8AC3E}">
-        <p14:creationId xmlns:p14="http://schemas.microsoft.com/office/powerpoint/2010/main" val="3897126242"/>
-      </p:ext>
-    </p:extLst>
-  </p:cSld>
-  <p:clrMapOvr>
-    <a:masterClrMapping/>
-  </p:clrMapOvr>
-</p:sld>
-</file>
-
-<file path=ppt/slides/slide4.xml><?xml version="1.0" encoding="utf-8"?>
-<p:sld xmlns:a="http://schemas.openxmlformats.org/drawingml/2006/main" xmlns:r="http://schemas.openxmlformats.org/officeDocument/2006/relationships" xmlns:p="http://schemas.openxmlformats.org/presentationml/2006/main">
-  <p:cSld>
-    <p:spTree>
-      <p:nvGrpSpPr>
-        <p:cNvPr id="1" name=""/>
-        <p:cNvGrpSpPr/>
-        <p:nvPr/>
-      </p:nvGrpSpPr>
-      <p:grpSpPr>
-        <a:xfrm>
-          <a:off x="0" y="0"/>
-          <a:ext cx="0" cy="0"/>
-          <a:chOff x="0" y="0"/>
-          <a:chExt cx="0" cy="0"/>
-        </a:xfrm>
-      </p:grpSpPr>
-      <p:sp>
-        <p:nvSpPr>
-          <p:cNvPr id="2" name="Title 1"/>
-          <p:cNvSpPr>
-            <a:spLocks noGrp="1"/>
-          </p:cNvSpPr>
-          <p:nvPr>
-            <p:ph type="title"/>
-          </p:nvPr>
-        </p:nvSpPr>
-        <p:spPr/>
-        <p:txBody>
-          <a:bodyPr/>
-          <a:lstStyle/>
-          <a:p>
-            <a:r>
-              <a:rPr lang="en-US" dirty="0" smtClean="0"/>
-              <a:t>Patterns and Purposes</a:t>
-            </a:r>
-            <a:endParaRPr lang="en-US" dirty="0"/>
-          </a:p>
-        </p:txBody>
-      </p:sp>
-      <p:sp>
-        <p:nvSpPr>
-          <p:cNvPr id="3" name="Content Placeholder 2"/>
-          <p:cNvSpPr>
-            <a:spLocks noGrp="1"/>
-          </p:cNvSpPr>
-          <p:nvPr>
-            <p:ph idx="1"/>
-          </p:nvPr>
-        </p:nvSpPr>
-        <p:spPr>
-          <a:xfrm>
-            <a:off x="838200" y="1378039"/>
-            <a:ext cx="10515600" cy="4798924"/>
-          </a:xfrm>
-        </p:spPr>
-        <p:txBody>
-          <a:bodyPr>
-            <a:normAutofit fontScale="92500" lnSpcReduction="10000"/>
-          </a:bodyPr>
-          <a:lstStyle/>
-          <a:p>
-            <a:r>
-              <a:rPr lang="en-US" sz="2400" dirty="0" smtClean="0"/>
-              <a:t>Composition</a:t>
-            </a:r>
-          </a:p>
-          <a:p>
-            <a:pPr lvl="1"/>
-            <a:r>
-              <a:rPr lang="en-US" sz="2000" dirty="0" smtClean="0"/>
-              <a:t>Sharing information between inheritable </a:t>
-            </a:r>
-            <a:r>
-              <a:rPr lang="en-US" sz="2000" dirty="0"/>
-              <a:t>o</a:t>
-            </a:r>
-            <a:r>
-              <a:rPr lang="en-US" sz="2000" dirty="0" smtClean="0"/>
-              <a:t>bjects </a:t>
-            </a:r>
-          </a:p>
-          <a:p>
-            <a:r>
-              <a:rPr lang="en-US" sz="2400" dirty="0" smtClean="0"/>
-              <a:t>Factory</a:t>
-            </a:r>
-          </a:p>
-          <a:p>
-            <a:pPr lvl="1"/>
-            <a:r>
-              <a:rPr lang="en-US" sz="2000" dirty="0" smtClean="0"/>
-              <a:t>Making various types of class objects</a:t>
-            </a:r>
-          </a:p>
-          <a:p>
-            <a:r>
-              <a:rPr lang="en-US" sz="2400" dirty="0" smtClean="0"/>
-              <a:t>Visitor</a:t>
-            </a:r>
-          </a:p>
-          <a:p>
-            <a:pPr lvl="1"/>
-            <a:r>
-              <a:rPr lang="en-US" sz="2000" dirty="0" smtClean="0"/>
-              <a:t>Getting relevant information from objects </a:t>
-            </a:r>
-          </a:p>
-          <a:p>
-            <a:r>
-              <a:rPr lang="en-US" sz="2400" dirty="0" smtClean="0"/>
-              <a:t>Strategy</a:t>
-            </a:r>
-          </a:p>
-          <a:p>
-            <a:pPr lvl="1"/>
-            <a:r>
-              <a:rPr lang="en-US" sz="2000" dirty="0" smtClean="0"/>
-              <a:t>Generate code according to language</a:t>
-            </a:r>
-          </a:p>
-          <a:p>
-            <a:r>
-              <a:rPr lang="en-US" sz="2400" dirty="0" smtClean="0"/>
-              <a:t>State</a:t>
-            </a:r>
-          </a:p>
-          <a:p>
-            <a:pPr lvl="1"/>
-            <a:r>
-              <a:rPr lang="en-US" sz="2000" dirty="0" smtClean="0"/>
-              <a:t>Buttons change GUI</a:t>
-            </a:r>
-          </a:p>
-          <a:p>
-            <a:r>
-              <a:rPr lang="en-US" sz="2400" dirty="0" smtClean="0"/>
-              <a:t>Singleton</a:t>
-            </a:r>
-          </a:p>
-          <a:p>
-            <a:pPr lvl="1"/>
-            <a:r>
-              <a:rPr lang="en-US" sz="2000" dirty="0" smtClean="0"/>
-              <a:t>Each button and interface should have a single instance</a:t>
-            </a:r>
-          </a:p>
-          <a:p>
-            <a:r>
-              <a:rPr lang="en-US" sz="2400" dirty="0" smtClean="0"/>
-              <a:t>(Bonus) Observer</a:t>
-            </a:r>
-          </a:p>
-          <a:p>
-            <a:pPr lvl="1"/>
-            <a:r>
-              <a:rPr lang="en-US" sz="2000" dirty="0" smtClean="0"/>
-              <a:t>Update GUI from application logic</a:t>
-            </a:r>
-          </a:p>
-          <a:p>
-            <a:pPr lvl="1"/>
-            <a:endParaRPr lang="en-US" sz="2000" dirty="0" smtClean="0"/>
-          </a:p>
-          <a:p>
-            <a:endParaRPr lang="en-US" sz="2400" dirty="0" smtClean="0"/>
-          </a:p>
-          <a:p>
-            <a:endParaRPr lang="en-US" sz="2400" dirty="0"/>
-          </a:p>
-        </p:txBody>
-      </p:sp>
-    </p:spTree>
-    <p:extLst>
-      <p:ext uri="{BB962C8B-B14F-4D97-AF65-F5344CB8AC3E}">
-        <p14:creationId xmlns:p14="http://schemas.microsoft.com/office/powerpoint/2010/main" val="3873374970"/>
-      </p:ext>
-    </p:extLst>
-  </p:cSld>
-  <p:clrMapOvr>
-    <a:masterClrMapping/>
-  </p:clrMapOvr>
-  <p:timing>
-    <p:tnLst>
-      <p:par>
-        <p:cTn id="1" dur="indefinite" restart="never" nodeType="tmRoot"/>
-      </p:par>
-    </p:tnLst>
-  </p:timing>
-</p:sld>
-</file>
-
-<file path=ppt/slides/slide5.xml><?xml version="1.0" encoding="utf-8"?>
-<p:sld xmlns:a="http://schemas.openxmlformats.org/drawingml/2006/main" xmlns:r="http://schemas.openxmlformats.org/officeDocument/2006/relationships" xmlns:p="http://schemas.openxmlformats.org/presentationml/2006/main">
-  <p:cSld>
-    <p:spTree>
-      <p:nvGrpSpPr>
-        <p:cNvPr id="1" name=""/>
-        <p:cNvGrpSpPr/>
-        <p:nvPr/>
-      </p:nvGrpSpPr>
-      <p:grpSpPr>
-        <a:xfrm>
-          <a:off x="0" y="0"/>
-          <a:ext cx="0" cy="0"/>
-          <a:chOff x="0" y="0"/>
-          <a:chExt cx="0" cy="0"/>
-        </a:xfrm>
-      </p:grpSpPr>
-      <p:sp>
-        <p:nvSpPr>
-          <p:cNvPr id="2" name="Title 1"/>
-          <p:cNvSpPr>
-            <a:spLocks noGrp="1"/>
-          </p:cNvSpPr>
-          <p:nvPr>
-            <p:ph type="title"/>
-          </p:nvPr>
-        </p:nvSpPr>
-        <p:spPr/>
-        <p:txBody>
-          <a:bodyPr/>
-          <a:lstStyle/>
-          <a:p>
-            <a:r>
-              <a:rPr lang="en-US" dirty="0" smtClean="0"/>
-              <a:t>UML – State and Singleton</a:t>
-            </a:r>
-            <a:endParaRPr lang="en-US" dirty="0"/>
-          </a:p>
-        </p:txBody>
-      </p:sp>
-      <p:pic>
-        <p:nvPicPr>
-          <p:cNvPr id="6" name="Content Placeholder 5" descr="Screen Clipping"/>
-          <p:cNvPicPr>
-            <a:picLocks noGrp="1" noChangeAspect="1"/>
-          </p:cNvPicPr>
-          <p:nvPr>
-            <p:ph idx="1"/>
-          </p:nvPr>
-        </p:nvPicPr>
-        <p:blipFill>
-          <a:blip r:embed="rId2">
-            <a:extLst>
-              <a:ext uri="{28A0092B-C50C-407E-A947-70E740481C1C}">
-                <a14:useLocalDpi xmlns:a14="http://schemas.microsoft.com/office/drawing/2010/main" val="0"/>
-              </a:ext>
-            </a:extLst>
-          </a:blip>
-          <a:stretch>
-            <a:fillRect/>
-          </a:stretch>
-        </p:blipFill>
-        <p:spPr>
-          <a:xfrm>
-            <a:off x="3533728" y="1825625"/>
-            <a:ext cx="5124543" cy="4351338"/>
-          </a:xfrm>
-        </p:spPr>
-      </p:pic>
-    </p:spTree>
-    <p:extLst>
-      <p:ext uri="{BB962C8B-B14F-4D97-AF65-F5344CB8AC3E}">
-        <p14:creationId xmlns:p14="http://schemas.microsoft.com/office/powerpoint/2010/main" val="1047350380"/>
-      </p:ext>
-    </p:extLst>
-  </p:cSld>
-  <p:clrMapOvr>
-    <a:masterClrMapping/>
-  </p:clrMapOvr>
-  <p:timing>
-    <p:tnLst>
-      <p:par>
-        <p:cTn id="1" dur="indefinite" restart="never" nodeType="tmRoot"/>
-      </p:par>
-    </p:tnLst>
-  </p:timing>
-</p:sld>
-</file>
-
-<file path=ppt/slides/slide6.xml><?xml version="1.0" encoding="utf-8"?>
-<p:sld xmlns:a="http://schemas.openxmlformats.org/drawingml/2006/main" xmlns:r="http://schemas.openxmlformats.org/officeDocument/2006/relationships" xmlns:p="http://schemas.openxmlformats.org/presentationml/2006/main">
-  <p:cSld>
-    <p:spTree>
-      <p:nvGrpSpPr>
-        <p:cNvPr id="1" name=""/>
-        <p:cNvGrpSpPr/>
-        <p:nvPr/>
-      </p:nvGrpSpPr>
-      <p:grpSpPr>
-        <a:xfrm>
-          <a:off x="0" y="0"/>
-          <a:ext cx="0" cy="0"/>
-          <a:chOff x="0" y="0"/>
-          <a:chExt cx="0" cy="0"/>
-        </a:xfrm>
-      </p:grpSpPr>
-      <p:sp>
-        <p:nvSpPr>
-          <p:cNvPr id="2" name="Title 1"/>
-          <p:cNvSpPr>
-            <a:spLocks noGrp="1"/>
-          </p:cNvSpPr>
-          <p:nvPr>
-            <p:ph type="title"/>
-          </p:nvPr>
-        </p:nvSpPr>
-        <p:spPr/>
-        <p:txBody>
-          <a:bodyPr/>
-          <a:lstStyle/>
-          <a:p>
-            <a:r>
-              <a:rPr lang="en-US" dirty="0" smtClean="0"/>
-              <a:t>UML - Composite</a:t>
-            </a:r>
-            <a:endParaRPr lang="en-US" dirty="0"/>
-          </a:p>
-        </p:txBody>
-      </p:sp>
-      <p:pic>
-        <p:nvPicPr>
-          <p:cNvPr id="4" name="Content Placeholder 3"/>
-          <p:cNvPicPr>
-            <a:picLocks noGrp="1" noChangeAspect="1"/>
-          </p:cNvPicPr>
-          <p:nvPr>
-            <p:ph idx="1"/>
-          </p:nvPr>
-        </p:nvPicPr>
-        <p:blipFill>
-          <a:blip r:embed="rId2">
-            <a:extLst>
-              <a:ext uri="{28A0092B-C50C-407E-A947-70E740481C1C}">
-                <a14:useLocalDpi xmlns:a14="http://schemas.microsoft.com/office/drawing/2010/main" val="0"/>
-              </a:ext>
-            </a:extLst>
-          </a:blip>
-          <a:stretch>
-            <a:fillRect/>
-          </a:stretch>
-        </p:blipFill>
-        <p:spPr>
-          <a:xfrm>
-            <a:off x="2069610" y="1825625"/>
-            <a:ext cx="8052780" cy="4351338"/>
-          </a:xfrm>
-        </p:spPr>
-      </p:pic>
-    </p:spTree>
-    <p:extLst>
-      <p:ext uri="{BB962C8B-B14F-4D97-AF65-F5344CB8AC3E}">
-        <p14:creationId xmlns:p14="http://schemas.microsoft.com/office/powerpoint/2010/main" val="1260003902"/>
-      </p:ext>
-    </p:extLst>
-  </p:cSld>
-  <p:clrMapOvr>
-    <a:masterClrMapping/>
-  </p:clrMapOvr>
-  <p:timing>
-    <p:tnLst>
-      <p:par>
-        <p:cTn id="1" dur="indefinite" restart="never" nodeType="tmRoot"/>
-      </p:par>
-    </p:tnLst>
-  </p:timing>
-</p:sld>
-</file>
-
-<file path=ppt/slides/slide7.xml><?xml version="1.0" encoding="utf-8"?>
-<p:sld xmlns:a="http://schemas.openxmlformats.org/drawingml/2006/main" xmlns:r="http://schemas.openxmlformats.org/officeDocument/2006/relationships" xmlns:p="http://schemas.openxmlformats.org/presentationml/2006/main">
-  <p:cSld>
-    <p:spTree>
-      <p:nvGrpSpPr>
-        <p:cNvPr id="1" name=""/>
-        <p:cNvGrpSpPr/>
-        <p:nvPr/>
-      </p:nvGrpSpPr>
-      <p:grpSpPr>
-        <a:xfrm>
-          <a:off x="0" y="0"/>
-          <a:ext cx="0" cy="0"/>
-          <a:chOff x="0" y="0"/>
-          <a:chExt cx="0" cy="0"/>
-        </a:xfrm>
-      </p:grpSpPr>
-      <p:sp>
-        <p:nvSpPr>
-          <p:cNvPr id="2" name="Title 1"/>
-          <p:cNvSpPr>
-            <a:spLocks noGrp="1"/>
-          </p:cNvSpPr>
-          <p:nvPr>
-            <p:ph type="title"/>
-          </p:nvPr>
-        </p:nvSpPr>
-        <p:spPr/>
-        <p:txBody>
-          <a:bodyPr/>
-          <a:lstStyle/>
-          <a:p>
-            <a:r>
-              <a:rPr lang="en-US" dirty="0" smtClean="0"/>
-              <a:t>UML – Visitor and Strategy</a:t>
-            </a:r>
-            <a:endParaRPr lang="en-US" dirty="0"/>
-          </a:p>
-        </p:txBody>
-      </p:sp>
-      <p:pic>
-        <p:nvPicPr>
-          <p:cNvPr id="5" name="Content Placeholder 4" descr="Screen Clipping"/>
-          <p:cNvPicPr>
-            <a:picLocks noGrp="1" noChangeAspect="1"/>
-          </p:cNvPicPr>
-          <p:nvPr>
-            <p:ph idx="1"/>
-          </p:nvPr>
-        </p:nvPicPr>
-        <p:blipFill>
-          <a:blip r:embed="rId2">
-            <a:extLst>
-              <a:ext uri="{28A0092B-C50C-407E-A947-70E740481C1C}">
-                <a14:useLocalDpi xmlns:a14="http://schemas.microsoft.com/office/drawing/2010/main" val="0"/>
-              </a:ext>
-            </a:extLst>
-          </a:blip>
-          <a:stretch>
-            <a:fillRect/>
-          </a:stretch>
-        </p:blipFill>
-        <p:spPr>
-          <a:xfrm>
-            <a:off x="838200" y="1916741"/>
-            <a:ext cx="10515600" cy="4169106"/>
-          </a:xfrm>
-        </p:spPr>
-      </p:pic>
-    </p:spTree>
-    <p:extLst>
-      <p:ext uri="{BB962C8B-B14F-4D97-AF65-F5344CB8AC3E}">
-        <p14:creationId xmlns:p14="http://schemas.microsoft.com/office/powerpoint/2010/main" val="3829333526"/>
-      </p:ext>
-    </p:extLst>
-  </p:cSld>
-  <p:clrMapOvr>
-    <a:masterClrMapping/>
-  </p:clrMapOvr>
-  <p:timing>
-    <p:tnLst>
-      <p:par>
-        <p:cTn id="1" dur="indefinite" restart="never" nodeType="tmRoot"/>
-      </p:par>
-    </p:tnLst>
-  </p:timing>
-</p:sld>
-</file>
-
-<file path=ppt/slides/slide8.xml><?xml version="1.0" encoding="utf-8"?>
-<p:sld xmlns:a="http://schemas.openxmlformats.org/drawingml/2006/main" xmlns:r="http://schemas.openxmlformats.org/officeDocument/2006/relationships" xmlns:p="http://schemas.openxmlformats.org/presentationml/2006/main">
-  <p:cSld>
-    <p:spTree>
-      <p:nvGrpSpPr>
-        <p:cNvPr id="1" name=""/>
-        <p:cNvGrpSpPr/>
-        <p:nvPr/>
-      </p:nvGrpSpPr>
-      <p:grpSpPr>
-        <a:xfrm>
-          <a:off x="0" y="0"/>
-          <a:ext cx="0" cy="0"/>
-          <a:chOff x="0" y="0"/>
-          <a:chExt cx="0" cy="0"/>
-        </a:xfrm>
-      </p:grpSpPr>
-      <p:sp>
-        <p:nvSpPr>
-          <p:cNvPr id="2" name="Title 1"/>
-          <p:cNvSpPr>
-            <a:spLocks noGrp="1"/>
-          </p:cNvSpPr>
-          <p:nvPr>
-            <p:ph type="title"/>
-          </p:nvPr>
-        </p:nvSpPr>
-        <p:spPr/>
-        <p:txBody>
-          <a:bodyPr/>
-          <a:lstStyle/>
-          <a:p>
-            <a:r>
-              <a:rPr lang="en-US" dirty="0" smtClean="0"/>
-              <a:t>Abstract Overview</a:t>
-            </a:r>
-            <a:endParaRPr lang="en-US" dirty="0"/>
-          </a:p>
-        </p:txBody>
-      </p:sp>
-      <p:pic>
-        <p:nvPicPr>
-          <p:cNvPr id="4" name="Content Placeholder 3" descr="Screen Clipping"/>
-          <p:cNvPicPr>
-            <a:picLocks noGrp="1" noChangeAspect="1"/>
-          </p:cNvPicPr>
-          <p:nvPr>
-            <p:ph idx="1"/>
-          </p:nvPr>
-        </p:nvPicPr>
-        <p:blipFill>
-          <a:blip r:embed="rId2">
-            <a:extLst>
-              <a:ext uri="{28A0092B-C50C-407E-A947-70E740481C1C}">
-                <a14:useLocalDpi xmlns:a14="http://schemas.microsoft.com/office/drawing/2010/main" val="0"/>
-              </a:ext>
-            </a:extLst>
-          </a:blip>
-          <a:stretch>
-            <a:fillRect/>
-          </a:stretch>
-        </p:blipFill>
-        <p:spPr>
-          <a:xfrm>
-            <a:off x="2096871" y="1825625"/>
-            <a:ext cx="7998258" cy="4351338"/>
-          </a:xfrm>
-        </p:spPr>
-      </p:pic>
-    </p:spTree>
-    <p:extLst>
-      <p:ext uri="{BB962C8B-B14F-4D97-AF65-F5344CB8AC3E}">
-        <p14:creationId xmlns:p14="http://schemas.microsoft.com/office/powerpoint/2010/main" val="1378190625"/>
-      </p:ext>
-    </p:extLst>
-  </p:cSld>
-  <p:clrMapOvr>
-    <a:masterClrMapping/>
-  </p:clrMapOvr>
-</p:sld>
-</file>
-
-<file path=ppt/slides/slide9.xml><?xml version="1.0" encoding="utf-8"?>
+<file path=ppt/slides/slide10.xml><?xml version="1.0" encoding="utf-8"?>
 <p:sld xmlns:a="http://schemas.openxmlformats.org/drawingml/2006/main" xmlns:r="http://schemas.openxmlformats.org/officeDocument/2006/relationships" xmlns:p="http://schemas.openxmlformats.org/presentationml/2006/main">
   <p:cSld>
     <p:spTree>
@@ -4425,6 +3057,1453 @@
       </p:par>
     </p:tnLst>
   </p:timing>
+</p:sld>
+</file>
+
+<file path=ppt/slides/slide11.xml><?xml version="1.0" encoding="utf-8"?>
+<p:sld xmlns:a="http://schemas.openxmlformats.org/drawingml/2006/main" xmlns:r="http://schemas.openxmlformats.org/officeDocument/2006/relationships" xmlns:p="http://schemas.openxmlformats.org/presentationml/2006/main">
+  <p:cSld>
+    <p:spTree>
+      <p:nvGrpSpPr>
+        <p:cNvPr id="1" name=""/>
+        <p:cNvGrpSpPr/>
+        <p:nvPr/>
+      </p:nvGrpSpPr>
+      <p:grpSpPr>
+        <a:xfrm>
+          <a:off x="0" y="0"/>
+          <a:ext cx="0" cy="0"/>
+          <a:chOff x="0" y="0"/>
+          <a:chExt cx="0" cy="0"/>
+        </a:xfrm>
+      </p:grpSpPr>
+      <p:sp>
+        <p:nvSpPr>
+          <p:cNvPr id="2" name="Title 1"/>
+          <p:cNvSpPr>
+            <a:spLocks noGrp="1"/>
+          </p:cNvSpPr>
+          <p:nvPr>
+            <p:ph type="title"/>
+          </p:nvPr>
+        </p:nvSpPr>
+        <p:spPr/>
+        <p:txBody>
+          <a:bodyPr/>
+          <a:lstStyle/>
+          <a:p>
+            <a:r>
+              <a:rPr lang="en-US" dirty="0" smtClean="0"/>
+              <a:t>UML - Overview</a:t>
+            </a:r>
+            <a:endParaRPr lang="en-US" dirty="0"/>
+          </a:p>
+        </p:txBody>
+      </p:sp>
+      <p:pic>
+        <p:nvPicPr>
+          <p:cNvPr id="6" name="Content Placeholder 5"/>
+          <p:cNvPicPr>
+            <a:picLocks noGrp="1" noChangeAspect="1"/>
+          </p:cNvPicPr>
+          <p:nvPr>
+            <p:ph idx="1"/>
+          </p:nvPr>
+        </p:nvPicPr>
+        <p:blipFill>
+          <a:blip r:embed="rId2">
+            <a:extLst>
+              <a:ext uri="{28A0092B-C50C-407E-A947-70E740481C1C}">
+                <a14:useLocalDpi xmlns:a14="http://schemas.microsoft.com/office/drawing/2010/main" val="0"/>
+              </a:ext>
+            </a:extLst>
+          </a:blip>
+          <a:stretch>
+            <a:fillRect/>
+          </a:stretch>
+        </p:blipFill>
+        <p:spPr>
+          <a:xfrm>
+            <a:off x="1171120" y="1262129"/>
+            <a:ext cx="9849760" cy="5126023"/>
+          </a:xfrm>
+        </p:spPr>
+      </p:pic>
+    </p:spTree>
+    <p:extLst>
+      <p:ext uri="{BB962C8B-B14F-4D97-AF65-F5344CB8AC3E}">
+        <p14:creationId xmlns:p14="http://schemas.microsoft.com/office/powerpoint/2010/main" val="1540701525"/>
+      </p:ext>
+    </p:extLst>
+  </p:cSld>
+  <p:clrMapOvr>
+    <a:masterClrMapping/>
+  </p:clrMapOvr>
+  <p:timing>
+    <p:tnLst>
+      <p:par>
+        <p:cTn id="1" dur="indefinite" restart="never" nodeType="tmRoot"/>
+      </p:par>
+    </p:tnLst>
+  </p:timing>
+</p:sld>
+</file>
+
+<file path=ppt/slides/slide12.xml><?xml version="1.0" encoding="utf-8"?>
+<p:sld xmlns:a="http://schemas.openxmlformats.org/drawingml/2006/main" xmlns:r="http://schemas.openxmlformats.org/officeDocument/2006/relationships" xmlns:p="http://schemas.openxmlformats.org/presentationml/2006/main">
+  <p:cSld>
+    <p:spTree>
+      <p:nvGrpSpPr>
+        <p:cNvPr id="1" name=""/>
+        <p:cNvGrpSpPr/>
+        <p:nvPr/>
+      </p:nvGrpSpPr>
+      <p:grpSpPr>
+        <a:xfrm>
+          <a:off x="0" y="0"/>
+          <a:ext cx="0" cy="0"/>
+          <a:chOff x="0" y="0"/>
+          <a:chExt cx="0" cy="0"/>
+        </a:xfrm>
+      </p:grpSpPr>
+      <p:sp>
+        <p:nvSpPr>
+          <p:cNvPr id="2" name="Title 1"/>
+          <p:cNvSpPr>
+            <a:spLocks noGrp="1"/>
+          </p:cNvSpPr>
+          <p:nvPr>
+            <p:ph type="title"/>
+          </p:nvPr>
+        </p:nvSpPr>
+        <p:spPr/>
+        <p:txBody>
+          <a:bodyPr/>
+          <a:lstStyle/>
+          <a:p>
+            <a:r>
+              <a:rPr lang="en-US" dirty="0" smtClean="0"/>
+              <a:t>Functional Requirements</a:t>
+            </a:r>
+            <a:endParaRPr lang="en-US" dirty="0"/>
+          </a:p>
+        </p:txBody>
+      </p:sp>
+      <p:sp>
+        <p:nvSpPr>
+          <p:cNvPr id="3" name="Content Placeholder 2"/>
+          <p:cNvSpPr>
+            <a:spLocks noGrp="1"/>
+          </p:cNvSpPr>
+          <p:nvPr>
+            <p:ph idx="1"/>
+          </p:nvPr>
+        </p:nvSpPr>
+        <p:spPr/>
+        <p:txBody>
+          <a:bodyPr/>
+          <a:lstStyle/>
+          <a:p>
+            <a:pPr marL="0" indent="0">
+              <a:buNone/>
+            </a:pPr>
+            <a:r>
+              <a:rPr lang="en-US" dirty="0" smtClean="0"/>
+              <a:t>A user should be able to…</a:t>
+            </a:r>
+          </a:p>
+          <a:p>
+            <a:r>
+              <a:rPr lang="en-US" dirty="0" smtClean="0"/>
+              <a:t>Make a new class or interface</a:t>
+            </a:r>
+          </a:p>
+          <a:p>
+            <a:r>
+              <a:rPr lang="en-US" dirty="0" smtClean="0"/>
+              <a:t>Specify a parent class or referenced classes</a:t>
+            </a:r>
+          </a:p>
+          <a:p>
+            <a:r>
+              <a:rPr lang="en-US" dirty="0" smtClean="0"/>
+              <a:t>Add attributes and methods</a:t>
+            </a:r>
+          </a:p>
+          <a:p>
+            <a:r>
+              <a:rPr lang="en-US" dirty="0" smtClean="0"/>
+              <a:t>Click and drag classes</a:t>
+            </a:r>
+          </a:p>
+          <a:p>
+            <a:r>
+              <a:rPr lang="en-US" dirty="0" smtClean="0"/>
+              <a:t>Generate code in a supported language</a:t>
+            </a:r>
+          </a:p>
+          <a:p>
+            <a:r>
+              <a:rPr lang="en-US" dirty="0" smtClean="0"/>
+              <a:t>Export UML Diagram as image</a:t>
+            </a:r>
+          </a:p>
+        </p:txBody>
+      </p:sp>
+    </p:spTree>
+    <p:extLst>
+      <p:ext uri="{BB962C8B-B14F-4D97-AF65-F5344CB8AC3E}">
+        <p14:creationId xmlns:p14="http://schemas.microsoft.com/office/powerpoint/2010/main" val="2930590128"/>
+      </p:ext>
+    </p:extLst>
+  </p:cSld>
+  <p:clrMapOvr>
+    <a:masterClrMapping/>
+  </p:clrMapOvr>
+  <p:timing>
+    <p:tnLst>
+      <p:par>
+        <p:cTn id="1" dur="indefinite" restart="never" nodeType="tmRoot"/>
+      </p:par>
+    </p:tnLst>
+  </p:timing>
+</p:sld>
+</file>
+
+<file path=ppt/slides/slide13.xml><?xml version="1.0" encoding="utf-8"?>
+<p:sld xmlns:a="http://schemas.openxmlformats.org/drawingml/2006/main" xmlns:r="http://schemas.openxmlformats.org/officeDocument/2006/relationships" xmlns:p="http://schemas.openxmlformats.org/presentationml/2006/main">
+  <p:cSld>
+    <p:spTree>
+      <p:nvGrpSpPr>
+        <p:cNvPr id="1" name=""/>
+        <p:cNvGrpSpPr/>
+        <p:nvPr/>
+      </p:nvGrpSpPr>
+      <p:grpSpPr>
+        <a:xfrm>
+          <a:off x="0" y="0"/>
+          <a:ext cx="0" cy="0"/>
+          <a:chOff x="0" y="0"/>
+          <a:chExt cx="0" cy="0"/>
+        </a:xfrm>
+      </p:grpSpPr>
+      <p:sp>
+        <p:nvSpPr>
+          <p:cNvPr id="2" name="Title 1"/>
+          <p:cNvSpPr>
+            <a:spLocks noGrp="1"/>
+          </p:cNvSpPr>
+          <p:nvPr>
+            <p:ph type="title"/>
+          </p:nvPr>
+        </p:nvSpPr>
+        <p:spPr/>
+        <p:txBody>
+          <a:bodyPr/>
+          <a:lstStyle/>
+          <a:p>
+            <a:r>
+              <a:rPr lang="en-US" dirty="0" smtClean="0"/>
+              <a:t>Non-Functional Requirements</a:t>
+            </a:r>
+            <a:endParaRPr lang="en-US" dirty="0"/>
+          </a:p>
+        </p:txBody>
+      </p:sp>
+      <p:sp>
+        <p:nvSpPr>
+          <p:cNvPr id="3" name="Content Placeholder 2"/>
+          <p:cNvSpPr>
+            <a:spLocks noGrp="1"/>
+          </p:cNvSpPr>
+          <p:nvPr>
+            <p:ph idx="1"/>
+          </p:nvPr>
+        </p:nvSpPr>
+        <p:spPr/>
+        <p:txBody>
+          <a:bodyPr/>
+          <a:lstStyle/>
+          <a:p>
+            <a:r>
+              <a:rPr lang="en-US" dirty="0" smtClean="0"/>
+              <a:t>Platform independent</a:t>
+            </a:r>
+          </a:p>
+          <a:p>
+            <a:r>
+              <a:rPr lang="en-US" dirty="0" smtClean="0"/>
+              <a:t>Unit testing with </a:t>
+            </a:r>
+            <a:r>
+              <a:rPr lang="en-US" dirty="0" err="1" smtClean="0"/>
+              <a:t>QtTest</a:t>
+            </a:r>
+            <a:endParaRPr lang="en-US" dirty="0" smtClean="0"/>
+          </a:p>
+          <a:p>
+            <a:r>
+              <a:rPr lang="en-US" dirty="0" smtClean="0"/>
+              <a:t>Maintainable and Extendable</a:t>
+            </a:r>
+          </a:p>
+          <a:p>
+            <a:pPr lvl="1"/>
+            <a:r>
+              <a:rPr lang="en-US" dirty="0" smtClean="0"/>
+              <a:t>Add support for OO languages (Strategy)</a:t>
+            </a:r>
+          </a:p>
+          <a:p>
+            <a:pPr lvl="1"/>
+            <a:r>
+              <a:rPr lang="en-US" dirty="0" smtClean="0"/>
+              <a:t>Create various objects at run time (Factory)</a:t>
+            </a:r>
+          </a:p>
+          <a:p>
+            <a:pPr lvl="1"/>
+            <a:r>
+              <a:rPr lang="en-US" dirty="0" smtClean="0"/>
+              <a:t>Add and Remove features to GUI (State)</a:t>
+            </a:r>
+          </a:p>
+          <a:p>
+            <a:endParaRPr lang="en-US" dirty="0" smtClean="0"/>
+          </a:p>
+          <a:p>
+            <a:endParaRPr lang="en-US" dirty="0" smtClean="0"/>
+          </a:p>
+          <a:p>
+            <a:pPr lvl="1"/>
+            <a:endParaRPr lang="en-US" dirty="0"/>
+          </a:p>
+        </p:txBody>
+      </p:sp>
+    </p:spTree>
+    <p:extLst>
+      <p:ext uri="{BB962C8B-B14F-4D97-AF65-F5344CB8AC3E}">
+        <p14:creationId xmlns:p14="http://schemas.microsoft.com/office/powerpoint/2010/main" val="4065165272"/>
+      </p:ext>
+    </p:extLst>
+  </p:cSld>
+  <p:clrMapOvr>
+    <a:masterClrMapping/>
+  </p:clrMapOvr>
+</p:sld>
+</file>
+
+<file path=ppt/slides/slide14.xml><?xml version="1.0" encoding="utf-8"?>
+<p:sld xmlns:a="http://schemas.openxmlformats.org/drawingml/2006/main" xmlns:r="http://schemas.openxmlformats.org/officeDocument/2006/relationships" xmlns:p="http://schemas.openxmlformats.org/presentationml/2006/main">
+  <p:cSld>
+    <p:spTree>
+      <p:nvGrpSpPr>
+        <p:cNvPr id="1" name=""/>
+        <p:cNvGrpSpPr/>
+        <p:nvPr/>
+      </p:nvGrpSpPr>
+      <p:grpSpPr>
+        <a:xfrm>
+          <a:off x="0" y="0"/>
+          <a:ext cx="0" cy="0"/>
+          <a:chOff x="0" y="0"/>
+          <a:chExt cx="0" cy="0"/>
+        </a:xfrm>
+      </p:grpSpPr>
+      <p:sp>
+        <p:nvSpPr>
+          <p:cNvPr id="2" name="Title 1"/>
+          <p:cNvSpPr>
+            <a:spLocks noGrp="1"/>
+          </p:cNvSpPr>
+          <p:nvPr>
+            <p:ph type="title"/>
+          </p:nvPr>
+        </p:nvSpPr>
+        <p:spPr/>
+        <p:txBody>
+          <a:bodyPr/>
+          <a:lstStyle/>
+          <a:p>
+            <a:r>
+              <a:rPr lang="en-US" dirty="0" smtClean="0"/>
+              <a:t>Use Cases</a:t>
+            </a:r>
+            <a:endParaRPr lang="en-US" dirty="0"/>
+          </a:p>
+        </p:txBody>
+      </p:sp>
+      <p:sp>
+        <p:nvSpPr>
+          <p:cNvPr id="3" name="Content Placeholder 2"/>
+          <p:cNvSpPr>
+            <a:spLocks noGrp="1"/>
+          </p:cNvSpPr>
+          <p:nvPr>
+            <p:ph idx="1"/>
+          </p:nvPr>
+        </p:nvSpPr>
+        <p:spPr/>
+        <p:txBody>
+          <a:bodyPr/>
+          <a:lstStyle/>
+          <a:p>
+            <a:r>
+              <a:rPr lang="en-US" dirty="0" smtClean="0"/>
+              <a:t>Create a class diagram</a:t>
+            </a:r>
+          </a:p>
+          <a:p>
+            <a:pPr lvl="1"/>
+            <a:r>
+              <a:rPr lang="en-US" dirty="0" smtClean="0"/>
+              <a:t>Create a class template</a:t>
+            </a:r>
+          </a:p>
+          <a:p>
+            <a:pPr lvl="1"/>
+            <a:r>
+              <a:rPr lang="en-US" dirty="0" smtClean="0"/>
+              <a:t>Add class methods and attributes when given</a:t>
+            </a:r>
+          </a:p>
+          <a:p>
+            <a:pPr lvl="1"/>
+            <a:r>
+              <a:rPr lang="en-US" dirty="0" smtClean="0"/>
+              <a:t>Specify base class</a:t>
+            </a:r>
+          </a:p>
+          <a:p>
+            <a:pPr lvl="1"/>
+            <a:r>
+              <a:rPr lang="en-US" dirty="0" smtClean="0"/>
+              <a:t>Add references or contained classes</a:t>
+            </a:r>
+          </a:p>
+          <a:p>
+            <a:r>
+              <a:rPr lang="en-US" dirty="0" smtClean="0"/>
+              <a:t>Generate Code</a:t>
+            </a:r>
+          </a:p>
+          <a:p>
+            <a:pPr lvl="1"/>
+            <a:r>
+              <a:rPr lang="en-US" dirty="0" smtClean="0"/>
+              <a:t>Specify Language</a:t>
+            </a:r>
+          </a:p>
+          <a:p>
+            <a:pPr lvl="1"/>
+            <a:r>
+              <a:rPr lang="en-US" dirty="0" smtClean="0"/>
+              <a:t>Traverse class hierarchy</a:t>
+            </a:r>
+          </a:p>
+          <a:p>
+            <a:pPr lvl="1"/>
+            <a:r>
+              <a:rPr lang="en-US" dirty="0" smtClean="0"/>
+              <a:t>Create files</a:t>
+            </a:r>
+          </a:p>
+          <a:p>
+            <a:pPr lvl="1"/>
+            <a:r>
+              <a:rPr lang="en-US" dirty="0" smtClean="0"/>
+              <a:t>Generate stub code</a:t>
+            </a:r>
+          </a:p>
+          <a:p>
+            <a:pPr lvl="1"/>
+            <a:endParaRPr lang="en-US" dirty="0" smtClean="0"/>
+          </a:p>
+          <a:p>
+            <a:pPr marL="457200" lvl="1" indent="0">
+              <a:buNone/>
+            </a:pPr>
+            <a:endParaRPr lang="en-US" dirty="0"/>
+          </a:p>
+        </p:txBody>
+      </p:sp>
+    </p:spTree>
+    <p:extLst>
+      <p:ext uri="{BB962C8B-B14F-4D97-AF65-F5344CB8AC3E}">
+        <p14:creationId xmlns:p14="http://schemas.microsoft.com/office/powerpoint/2010/main" val="1927099282"/>
+      </p:ext>
+    </p:extLst>
+  </p:cSld>
+  <p:clrMapOvr>
+    <a:masterClrMapping/>
+  </p:clrMapOvr>
+</p:sld>
+</file>
+
+<file path=ppt/slides/slide15.xml><?xml version="1.0" encoding="utf-8"?>
+<p:sld xmlns:a="http://schemas.openxmlformats.org/drawingml/2006/main" xmlns:r="http://schemas.openxmlformats.org/officeDocument/2006/relationships" xmlns:p="http://schemas.openxmlformats.org/presentationml/2006/main">
+  <p:cSld>
+    <p:spTree>
+      <p:nvGrpSpPr>
+        <p:cNvPr id="1" name=""/>
+        <p:cNvGrpSpPr/>
+        <p:nvPr/>
+      </p:nvGrpSpPr>
+      <p:grpSpPr>
+        <a:xfrm>
+          <a:off x="0" y="0"/>
+          <a:ext cx="0" cy="0"/>
+          <a:chOff x="0" y="0"/>
+          <a:chExt cx="0" cy="0"/>
+        </a:xfrm>
+      </p:grpSpPr>
+      <p:sp>
+        <p:nvSpPr>
+          <p:cNvPr id="2" name="Title 1"/>
+          <p:cNvSpPr>
+            <a:spLocks noGrp="1"/>
+          </p:cNvSpPr>
+          <p:nvPr>
+            <p:ph type="title"/>
+          </p:nvPr>
+        </p:nvSpPr>
+        <p:spPr/>
+        <p:txBody>
+          <a:bodyPr/>
+          <a:lstStyle/>
+          <a:p>
+            <a:r>
+              <a:rPr lang="en-US" dirty="0" smtClean="0"/>
+              <a:t>Environment</a:t>
+            </a:r>
+            <a:endParaRPr lang="en-US" dirty="0"/>
+          </a:p>
+        </p:txBody>
+      </p:sp>
+      <p:sp>
+        <p:nvSpPr>
+          <p:cNvPr id="3" name="Content Placeholder 2"/>
+          <p:cNvSpPr>
+            <a:spLocks noGrp="1"/>
+          </p:cNvSpPr>
+          <p:nvPr>
+            <p:ph idx="1"/>
+          </p:nvPr>
+        </p:nvSpPr>
+        <p:spPr/>
+        <p:txBody>
+          <a:bodyPr/>
+          <a:lstStyle/>
+          <a:p>
+            <a:r>
+              <a:rPr lang="en-US" dirty="0" smtClean="0"/>
+              <a:t>C++ (POSIX)</a:t>
+            </a:r>
+          </a:p>
+          <a:p>
+            <a:r>
+              <a:rPr lang="en-US" dirty="0" smtClean="0"/>
+              <a:t>QT Creator 3.5</a:t>
+            </a:r>
+          </a:p>
+          <a:p>
+            <a:pPr lvl="1"/>
+            <a:r>
+              <a:rPr lang="en-US" dirty="0" smtClean="0"/>
+              <a:t>QT Library 5.3 (GUI)</a:t>
+            </a:r>
+          </a:p>
+          <a:p>
+            <a:pPr lvl="1"/>
+            <a:r>
+              <a:rPr lang="en-US" dirty="0" err="1" smtClean="0"/>
+              <a:t>QtTest</a:t>
+            </a:r>
+            <a:endParaRPr lang="en-US" dirty="0" smtClean="0"/>
+          </a:p>
+          <a:p>
+            <a:r>
+              <a:rPr lang="en-US" dirty="0" err="1" smtClean="0"/>
+              <a:t>Git</a:t>
+            </a:r>
+            <a:endParaRPr lang="en-US" dirty="0" smtClean="0"/>
+          </a:p>
+          <a:p>
+            <a:endParaRPr lang="en-US" dirty="0"/>
+          </a:p>
+        </p:txBody>
+      </p:sp>
+    </p:spTree>
+    <p:extLst>
+      <p:ext uri="{BB962C8B-B14F-4D97-AF65-F5344CB8AC3E}">
+        <p14:creationId xmlns:p14="http://schemas.microsoft.com/office/powerpoint/2010/main" val="308500545"/>
+      </p:ext>
+    </p:extLst>
+  </p:cSld>
+  <p:clrMapOvr>
+    <a:masterClrMapping/>
+  </p:clrMapOvr>
+</p:sld>
+</file>
+
+<file path=ppt/slides/slide2.xml><?xml version="1.0" encoding="utf-8"?>
+<p:sld xmlns:a="http://schemas.openxmlformats.org/drawingml/2006/main" xmlns:r="http://schemas.openxmlformats.org/officeDocument/2006/relationships" xmlns:p="http://schemas.openxmlformats.org/presentationml/2006/main">
+  <p:cSld>
+    <p:spTree>
+      <p:nvGrpSpPr>
+        <p:cNvPr id="1" name=""/>
+        <p:cNvGrpSpPr/>
+        <p:nvPr/>
+      </p:nvGrpSpPr>
+      <p:grpSpPr>
+        <a:xfrm>
+          <a:off x="0" y="0"/>
+          <a:ext cx="0" cy="0"/>
+          <a:chOff x="0" y="0"/>
+          <a:chExt cx="0" cy="0"/>
+        </a:xfrm>
+      </p:grpSpPr>
+      <p:sp>
+        <p:nvSpPr>
+          <p:cNvPr id="2" name="Title 1"/>
+          <p:cNvSpPr>
+            <a:spLocks noGrp="1"/>
+          </p:cNvSpPr>
+          <p:nvPr>
+            <p:ph type="title"/>
+          </p:nvPr>
+        </p:nvSpPr>
+        <p:spPr/>
+        <p:txBody>
+          <a:bodyPr/>
+          <a:lstStyle/>
+          <a:p>
+            <a:r>
+              <a:rPr lang="en-US" dirty="0" smtClean="0"/>
+              <a:t>Overview</a:t>
+            </a:r>
+            <a:endParaRPr lang="en-US" dirty="0"/>
+          </a:p>
+        </p:txBody>
+      </p:sp>
+      <p:sp>
+        <p:nvSpPr>
+          <p:cNvPr id="3" name="Content Placeholder 2"/>
+          <p:cNvSpPr>
+            <a:spLocks noGrp="1"/>
+          </p:cNvSpPr>
+          <p:nvPr>
+            <p:ph idx="1"/>
+          </p:nvPr>
+        </p:nvSpPr>
+        <p:spPr/>
+        <p:txBody>
+          <a:bodyPr/>
+          <a:lstStyle/>
+          <a:p>
+            <a:r>
+              <a:rPr lang="en-US" dirty="0" smtClean="0"/>
+              <a:t>Generate a UML Diagram</a:t>
+            </a:r>
+          </a:p>
+          <a:p>
+            <a:r>
+              <a:rPr lang="en-US" dirty="0" smtClean="0"/>
+              <a:t>Generate code from a UML diagram</a:t>
+            </a:r>
+          </a:p>
+          <a:p>
+            <a:pPr lvl="1"/>
+            <a:r>
+              <a:rPr lang="en-US" dirty="0" smtClean="0"/>
+              <a:t>Choice of language</a:t>
+            </a:r>
+          </a:p>
+          <a:p>
+            <a:r>
+              <a:rPr lang="en-US" dirty="0" smtClean="0"/>
+              <a:t>Quickly generate stub code</a:t>
+            </a:r>
+          </a:p>
+          <a:p>
+            <a:r>
+              <a:rPr lang="en-US" dirty="0" smtClean="0"/>
+              <a:t>Useful for shortening development time</a:t>
+            </a:r>
+          </a:p>
+          <a:p>
+            <a:r>
+              <a:rPr lang="en-US" dirty="0" smtClean="0"/>
+              <a:t>Available as open source project</a:t>
+            </a:r>
+            <a:endParaRPr lang="en-US" dirty="0"/>
+          </a:p>
+        </p:txBody>
+      </p:sp>
+    </p:spTree>
+    <p:extLst>
+      <p:ext uri="{BB962C8B-B14F-4D97-AF65-F5344CB8AC3E}">
+        <p14:creationId xmlns:p14="http://schemas.microsoft.com/office/powerpoint/2010/main" val="3855222754"/>
+      </p:ext>
+    </p:extLst>
+  </p:cSld>
+  <p:clrMapOvr>
+    <a:masterClrMapping/>
+  </p:clrMapOvr>
+  <p:timing>
+    <p:tnLst>
+      <p:par>
+        <p:cTn id="1" dur="indefinite" restart="never" nodeType="tmRoot"/>
+      </p:par>
+    </p:tnLst>
+  </p:timing>
+</p:sld>
+</file>
+
+<file path=ppt/slides/slide3.xml><?xml version="1.0" encoding="utf-8"?>
+<p:sld xmlns:a="http://schemas.openxmlformats.org/drawingml/2006/main" xmlns:r="http://schemas.openxmlformats.org/officeDocument/2006/relationships" xmlns:p="http://schemas.openxmlformats.org/presentationml/2006/main">
+  <p:cSld>
+    <p:spTree>
+      <p:nvGrpSpPr>
+        <p:cNvPr id="1" name=""/>
+        <p:cNvGrpSpPr/>
+        <p:nvPr/>
+      </p:nvGrpSpPr>
+      <p:grpSpPr>
+        <a:xfrm>
+          <a:off x="0" y="0"/>
+          <a:ext cx="0" cy="0"/>
+          <a:chOff x="0" y="0"/>
+          <a:chExt cx="0" cy="0"/>
+        </a:xfrm>
+      </p:grpSpPr>
+      <p:sp>
+        <p:nvSpPr>
+          <p:cNvPr id="2" name="Title 1"/>
+          <p:cNvSpPr>
+            <a:spLocks noGrp="1"/>
+          </p:cNvSpPr>
+          <p:nvPr>
+            <p:ph type="title"/>
+          </p:nvPr>
+        </p:nvSpPr>
+        <p:spPr/>
+        <p:txBody>
+          <a:bodyPr/>
+          <a:lstStyle/>
+          <a:p>
+            <a:r>
+              <a:rPr lang="en-US" dirty="0" smtClean="0"/>
+              <a:t>Supported Features</a:t>
+            </a:r>
+            <a:endParaRPr lang="en-US" dirty="0"/>
+          </a:p>
+        </p:txBody>
+      </p:sp>
+      <p:sp>
+        <p:nvSpPr>
+          <p:cNvPr id="3" name="Content Placeholder 2"/>
+          <p:cNvSpPr>
+            <a:spLocks noGrp="1"/>
+          </p:cNvSpPr>
+          <p:nvPr>
+            <p:ph idx="1"/>
+          </p:nvPr>
+        </p:nvSpPr>
+        <p:spPr/>
+        <p:txBody>
+          <a:bodyPr/>
+          <a:lstStyle/>
+          <a:p>
+            <a:r>
+              <a:rPr lang="en-US" dirty="0" smtClean="0"/>
+              <a:t>Inheritance</a:t>
+            </a:r>
+          </a:p>
+          <a:p>
+            <a:r>
+              <a:rPr lang="en-US" dirty="0" smtClean="0"/>
+              <a:t>Aggregation (reference)</a:t>
+            </a:r>
+          </a:p>
+          <a:p>
+            <a:r>
+              <a:rPr lang="en-US" dirty="0" smtClean="0"/>
+              <a:t>Composition</a:t>
+            </a:r>
+          </a:p>
+          <a:p>
+            <a:r>
+              <a:rPr lang="en-US" dirty="0" smtClean="0"/>
+              <a:t>Access Notation</a:t>
+            </a:r>
+          </a:p>
+          <a:p>
+            <a:pPr lvl="1"/>
+            <a:r>
+              <a:rPr lang="en-US" dirty="0" smtClean="0"/>
+              <a:t>Private</a:t>
+            </a:r>
+          </a:p>
+          <a:p>
+            <a:pPr lvl="1"/>
+            <a:r>
+              <a:rPr lang="en-US" dirty="0" smtClean="0"/>
+              <a:t>Public</a:t>
+            </a:r>
+          </a:p>
+          <a:p>
+            <a:pPr lvl="1"/>
+            <a:r>
+              <a:rPr lang="en-US" dirty="0" smtClean="0"/>
+              <a:t>Protected</a:t>
+            </a:r>
+          </a:p>
+          <a:p>
+            <a:pPr lvl="1"/>
+            <a:endParaRPr lang="en-US" dirty="0"/>
+          </a:p>
+        </p:txBody>
+      </p:sp>
+    </p:spTree>
+    <p:extLst>
+      <p:ext uri="{BB962C8B-B14F-4D97-AF65-F5344CB8AC3E}">
+        <p14:creationId xmlns:p14="http://schemas.microsoft.com/office/powerpoint/2010/main" val="3897126242"/>
+      </p:ext>
+    </p:extLst>
+  </p:cSld>
+  <p:clrMapOvr>
+    <a:masterClrMapping/>
+  </p:clrMapOvr>
+  <p:timing>
+    <p:tnLst>
+      <p:par>
+        <p:cTn id="1" dur="indefinite" restart="never" nodeType="tmRoot"/>
+      </p:par>
+    </p:tnLst>
+  </p:timing>
+</p:sld>
+</file>
+
+<file path=ppt/slides/slide4.xml><?xml version="1.0" encoding="utf-8"?>
+<p:sld xmlns:a="http://schemas.openxmlformats.org/drawingml/2006/main" xmlns:r="http://schemas.openxmlformats.org/officeDocument/2006/relationships" xmlns:p="http://schemas.openxmlformats.org/presentationml/2006/main">
+  <p:cSld>
+    <p:spTree>
+      <p:nvGrpSpPr>
+        <p:cNvPr id="1" name=""/>
+        <p:cNvGrpSpPr/>
+        <p:nvPr/>
+      </p:nvGrpSpPr>
+      <p:grpSpPr>
+        <a:xfrm>
+          <a:off x="0" y="0"/>
+          <a:ext cx="0" cy="0"/>
+          <a:chOff x="0" y="0"/>
+          <a:chExt cx="0" cy="0"/>
+        </a:xfrm>
+      </p:grpSpPr>
+      <p:sp>
+        <p:nvSpPr>
+          <p:cNvPr id="2" name="Title 1"/>
+          <p:cNvSpPr>
+            <a:spLocks noGrp="1"/>
+          </p:cNvSpPr>
+          <p:nvPr>
+            <p:ph type="title"/>
+          </p:nvPr>
+        </p:nvSpPr>
+        <p:spPr/>
+        <p:txBody>
+          <a:bodyPr/>
+          <a:lstStyle/>
+          <a:p>
+            <a:r>
+              <a:rPr lang="en-US" dirty="0" smtClean="0"/>
+              <a:t>Patterns and Purposes</a:t>
+            </a:r>
+            <a:endParaRPr lang="en-US" dirty="0"/>
+          </a:p>
+        </p:txBody>
+      </p:sp>
+      <p:sp>
+        <p:nvSpPr>
+          <p:cNvPr id="3" name="Content Placeholder 2"/>
+          <p:cNvSpPr>
+            <a:spLocks noGrp="1"/>
+          </p:cNvSpPr>
+          <p:nvPr>
+            <p:ph idx="1"/>
+          </p:nvPr>
+        </p:nvSpPr>
+        <p:spPr>
+          <a:xfrm>
+            <a:off x="838200" y="1378039"/>
+            <a:ext cx="10515600" cy="4798924"/>
+          </a:xfrm>
+        </p:spPr>
+        <p:txBody>
+          <a:bodyPr>
+            <a:normAutofit fontScale="92500" lnSpcReduction="10000"/>
+          </a:bodyPr>
+          <a:lstStyle/>
+          <a:p>
+            <a:r>
+              <a:rPr lang="en-US" sz="2400" dirty="0" smtClean="0"/>
+              <a:t>Composition</a:t>
+            </a:r>
+          </a:p>
+          <a:p>
+            <a:pPr lvl="1"/>
+            <a:r>
+              <a:rPr lang="en-US" sz="2000" dirty="0" smtClean="0"/>
+              <a:t>Sharing information between inheritable </a:t>
+            </a:r>
+            <a:r>
+              <a:rPr lang="en-US" sz="2000" dirty="0"/>
+              <a:t>o</a:t>
+            </a:r>
+            <a:r>
+              <a:rPr lang="en-US" sz="2000" dirty="0" smtClean="0"/>
+              <a:t>bjects </a:t>
+            </a:r>
+          </a:p>
+          <a:p>
+            <a:r>
+              <a:rPr lang="en-US" sz="2400" dirty="0" smtClean="0"/>
+              <a:t>Factory</a:t>
+            </a:r>
+          </a:p>
+          <a:p>
+            <a:pPr lvl="1"/>
+            <a:r>
+              <a:rPr lang="en-US" sz="2000" dirty="0" smtClean="0"/>
+              <a:t>Making various types of class objects</a:t>
+            </a:r>
+          </a:p>
+          <a:p>
+            <a:r>
+              <a:rPr lang="en-US" sz="2400" dirty="0" smtClean="0"/>
+              <a:t>Visitor</a:t>
+            </a:r>
+          </a:p>
+          <a:p>
+            <a:pPr lvl="1"/>
+            <a:r>
+              <a:rPr lang="en-US" sz="2000" dirty="0" smtClean="0"/>
+              <a:t>Getting relevant information from objects </a:t>
+            </a:r>
+          </a:p>
+          <a:p>
+            <a:r>
+              <a:rPr lang="en-US" sz="2400" dirty="0" smtClean="0"/>
+              <a:t>Strategy</a:t>
+            </a:r>
+          </a:p>
+          <a:p>
+            <a:pPr lvl="1"/>
+            <a:r>
+              <a:rPr lang="en-US" sz="2000" dirty="0" smtClean="0"/>
+              <a:t>Generate code according to language</a:t>
+            </a:r>
+          </a:p>
+          <a:p>
+            <a:r>
+              <a:rPr lang="en-US" sz="2400" dirty="0" smtClean="0"/>
+              <a:t>State</a:t>
+            </a:r>
+          </a:p>
+          <a:p>
+            <a:pPr lvl="1"/>
+            <a:r>
+              <a:rPr lang="en-US" sz="2000" dirty="0" smtClean="0"/>
+              <a:t>Buttons change GUI</a:t>
+            </a:r>
+          </a:p>
+          <a:p>
+            <a:r>
+              <a:rPr lang="en-US" sz="2400" dirty="0" smtClean="0"/>
+              <a:t>Singleton</a:t>
+            </a:r>
+          </a:p>
+          <a:p>
+            <a:pPr lvl="1"/>
+            <a:r>
+              <a:rPr lang="en-US" sz="2000" dirty="0" smtClean="0"/>
+              <a:t>Each button and interface should have a single instance</a:t>
+            </a:r>
+          </a:p>
+          <a:p>
+            <a:r>
+              <a:rPr lang="en-US" sz="2400" dirty="0" smtClean="0"/>
+              <a:t>(Bonus) Observer</a:t>
+            </a:r>
+          </a:p>
+          <a:p>
+            <a:pPr lvl="1"/>
+            <a:r>
+              <a:rPr lang="en-US" sz="2000" dirty="0" smtClean="0"/>
+              <a:t>Update GUI from application logic</a:t>
+            </a:r>
+          </a:p>
+          <a:p>
+            <a:pPr lvl="1"/>
+            <a:endParaRPr lang="en-US" sz="2000" dirty="0" smtClean="0"/>
+          </a:p>
+          <a:p>
+            <a:endParaRPr lang="en-US" sz="2400" dirty="0" smtClean="0"/>
+          </a:p>
+          <a:p>
+            <a:endParaRPr lang="en-US" sz="2400" dirty="0"/>
+          </a:p>
+        </p:txBody>
+      </p:sp>
+    </p:spTree>
+    <p:extLst>
+      <p:ext uri="{BB962C8B-B14F-4D97-AF65-F5344CB8AC3E}">
+        <p14:creationId xmlns:p14="http://schemas.microsoft.com/office/powerpoint/2010/main" val="3873374970"/>
+      </p:ext>
+    </p:extLst>
+  </p:cSld>
+  <p:clrMapOvr>
+    <a:masterClrMapping/>
+  </p:clrMapOvr>
+  <p:timing>
+    <p:tnLst>
+      <p:par>
+        <p:cTn id="1" dur="indefinite" restart="never" nodeType="tmRoot"/>
+      </p:par>
+    </p:tnLst>
+  </p:timing>
+</p:sld>
+</file>
+
+<file path=ppt/slides/slide5.xml><?xml version="1.0" encoding="utf-8"?>
+<p:sld xmlns:a="http://schemas.openxmlformats.org/drawingml/2006/main" xmlns:r="http://schemas.openxmlformats.org/officeDocument/2006/relationships" xmlns:p="http://schemas.openxmlformats.org/presentationml/2006/main">
+  <p:cSld>
+    <p:spTree>
+      <p:nvGrpSpPr>
+        <p:cNvPr id="1" name=""/>
+        <p:cNvGrpSpPr/>
+        <p:nvPr/>
+      </p:nvGrpSpPr>
+      <p:grpSpPr>
+        <a:xfrm>
+          <a:off x="0" y="0"/>
+          <a:ext cx="0" cy="0"/>
+          <a:chOff x="0" y="0"/>
+          <a:chExt cx="0" cy="0"/>
+        </a:xfrm>
+      </p:grpSpPr>
+      <p:pic>
+        <p:nvPicPr>
+          <p:cNvPr id="4" name="Content Placeholder 3"/>
+          <p:cNvPicPr>
+            <a:picLocks noGrp="1" noChangeAspect="1"/>
+          </p:cNvPicPr>
+          <p:nvPr>
+            <p:ph idx="1"/>
+          </p:nvPr>
+        </p:nvPicPr>
+        <p:blipFill>
+          <a:blip r:embed="rId2">
+            <a:extLst>
+              <a:ext uri="{28A0092B-C50C-407E-A947-70E740481C1C}">
+                <a14:useLocalDpi xmlns:a14="http://schemas.microsoft.com/office/drawing/2010/main" val="0"/>
+              </a:ext>
+            </a:extLst>
+          </a:blip>
+          <a:stretch>
+            <a:fillRect/>
+          </a:stretch>
+        </p:blipFill>
+        <p:spPr>
+          <a:xfrm>
+            <a:off x="1209368" y="353961"/>
+            <a:ext cx="9389806" cy="6243984"/>
+          </a:xfrm>
+          <a:prstGeom prst="rect">
+            <a:avLst/>
+          </a:prstGeom>
+          <a:ln w="228600" cap="sq" cmpd="thickThin">
+            <a:solidFill>
+              <a:srgbClr val="000000"/>
+            </a:solidFill>
+            <a:prstDash val="solid"/>
+            <a:miter lim="800000"/>
+          </a:ln>
+          <a:effectLst>
+            <a:innerShdw blurRad="76200">
+              <a:srgbClr val="000000"/>
+            </a:innerShdw>
+          </a:effectLst>
+        </p:spPr>
+      </p:pic>
+    </p:spTree>
+    <p:extLst>
+      <p:ext uri="{BB962C8B-B14F-4D97-AF65-F5344CB8AC3E}">
+        <p14:creationId xmlns:p14="http://schemas.microsoft.com/office/powerpoint/2010/main" val="4137107894"/>
+      </p:ext>
+    </p:extLst>
+  </p:cSld>
+  <p:clrMapOvr>
+    <a:masterClrMapping/>
+  </p:clrMapOvr>
+  <p:timing>
+    <p:tnLst>
+      <p:par>
+        <p:cTn id="1" dur="indefinite" restart="never" nodeType="tmRoot"/>
+      </p:par>
+    </p:tnLst>
+  </p:timing>
+</p:sld>
+</file>
+
+<file path=ppt/slides/slide6.xml><?xml version="1.0" encoding="utf-8"?>
+<p:sld xmlns:a="http://schemas.openxmlformats.org/drawingml/2006/main" xmlns:r="http://schemas.openxmlformats.org/officeDocument/2006/relationships" xmlns:p="http://schemas.openxmlformats.org/presentationml/2006/main">
+  <p:cSld>
+    <p:spTree>
+      <p:nvGrpSpPr>
+        <p:cNvPr id="1" name=""/>
+        <p:cNvGrpSpPr/>
+        <p:nvPr/>
+      </p:nvGrpSpPr>
+      <p:grpSpPr>
+        <a:xfrm>
+          <a:off x="0" y="0"/>
+          <a:ext cx="0" cy="0"/>
+          <a:chOff x="0" y="0"/>
+          <a:chExt cx="0" cy="0"/>
+        </a:xfrm>
+      </p:grpSpPr>
+      <p:sp>
+        <p:nvSpPr>
+          <p:cNvPr id="2" name="Title 1"/>
+          <p:cNvSpPr>
+            <a:spLocks noGrp="1"/>
+          </p:cNvSpPr>
+          <p:nvPr>
+            <p:ph type="title"/>
+          </p:nvPr>
+        </p:nvSpPr>
+        <p:spPr/>
+        <p:txBody>
+          <a:bodyPr/>
+          <a:lstStyle/>
+          <a:p>
+            <a:r>
+              <a:rPr lang="en-US" dirty="0" smtClean="0"/>
+              <a:t>UML – State and Singleton</a:t>
+            </a:r>
+            <a:endParaRPr lang="en-US" dirty="0"/>
+          </a:p>
+        </p:txBody>
+      </p:sp>
+      <p:pic>
+        <p:nvPicPr>
+          <p:cNvPr id="6" name="Content Placeholder 5" descr="Screen Clipping"/>
+          <p:cNvPicPr>
+            <a:picLocks noGrp="1" noChangeAspect="1"/>
+          </p:cNvPicPr>
+          <p:nvPr>
+            <p:ph idx="1"/>
+          </p:nvPr>
+        </p:nvPicPr>
+        <p:blipFill>
+          <a:blip r:embed="rId2">
+            <a:extLst>
+              <a:ext uri="{28A0092B-C50C-407E-A947-70E740481C1C}">
+                <a14:useLocalDpi xmlns:a14="http://schemas.microsoft.com/office/drawing/2010/main" val="0"/>
+              </a:ext>
+            </a:extLst>
+          </a:blip>
+          <a:stretch>
+            <a:fillRect/>
+          </a:stretch>
+        </p:blipFill>
+        <p:spPr>
+          <a:xfrm>
+            <a:off x="3533728" y="1825625"/>
+            <a:ext cx="5124543" cy="4351338"/>
+          </a:xfrm>
+        </p:spPr>
+      </p:pic>
+    </p:spTree>
+    <p:extLst>
+      <p:ext uri="{BB962C8B-B14F-4D97-AF65-F5344CB8AC3E}">
+        <p14:creationId xmlns:p14="http://schemas.microsoft.com/office/powerpoint/2010/main" val="1047350380"/>
+      </p:ext>
+    </p:extLst>
+  </p:cSld>
+  <p:clrMapOvr>
+    <a:masterClrMapping/>
+  </p:clrMapOvr>
+  <p:timing>
+    <p:tnLst>
+      <p:par>
+        <p:cTn id="1" dur="indefinite" restart="never" nodeType="tmRoot"/>
+      </p:par>
+    </p:tnLst>
+  </p:timing>
+</p:sld>
+</file>
+
+<file path=ppt/slides/slide7.xml><?xml version="1.0" encoding="utf-8"?>
+<p:sld xmlns:a="http://schemas.openxmlformats.org/drawingml/2006/main" xmlns:r="http://schemas.openxmlformats.org/officeDocument/2006/relationships" xmlns:p="http://schemas.openxmlformats.org/presentationml/2006/main">
+  <p:cSld>
+    <p:spTree>
+      <p:nvGrpSpPr>
+        <p:cNvPr id="1" name=""/>
+        <p:cNvGrpSpPr/>
+        <p:nvPr/>
+      </p:nvGrpSpPr>
+      <p:grpSpPr>
+        <a:xfrm>
+          <a:off x="0" y="0"/>
+          <a:ext cx="0" cy="0"/>
+          <a:chOff x="0" y="0"/>
+          <a:chExt cx="0" cy="0"/>
+        </a:xfrm>
+      </p:grpSpPr>
+      <p:sp>
+        <p:nvSpPr>
+          <p:cNvPr id="2" name="Title 1"/>
+          <p:cNvSpPr>
+            <a:spLocks noGrp="1"/>
+          </p:cNvSpPr>
+          <p:nvPr>
+            <p:ph type="title"/>
+          </p:nvPr>
+        </p:nvSpPr>
+        <p:spPr/>
+        <p:txBody>
+          <a:bodyPr/>
+          <a:lstStyle/>
+          <a:p>
+            <a:r>
+              <a:rPr lang="en-US" dirty="0" smtClean="0"/>
+              <a:t>UML - Composite</a:t>
+            </a:r>
+            <a:endParaRPr lang="en-US" dirty="0"/>
+          </a:p>
+        </p:txBody>
+      </p:sp>
+      <p:pic>
+        <p:nvPicPr>
+          <p:cNvPr id="4" name="Content Placeholder 3"/>
+          <p:cNvPicPr>
+            <a:picLocks noGrp="1" noChangeAspect="1"/>
+          </p:cNvPicPr>
+          <p:nvPr>
+            <p:ph idx="1"/>
+          </p:nvPr>
+        </p:nvPicPr>
+        <p:blipFill>
+          <a:blip r:embed="rId2">
+            <a:extLst>
+              <a:ext uri="{28A0092B-C50C-407E-A947-70E740481C1C}">
+                <a14:useLocalDpi xmlns:a14="http://schemas.microsoft.com/office/drawing/2010/main" val="0"/>
+              </a:ext>
+            </a:extLst>
+          </a:blip>
+          <a:stretch>
+            <a:fillRect/>
+          </a:stretch>
+        </p:blipFill>
+        <p:spPr>
+          <a:xfrm>
+            <a:off x="2069610" y="1825625"/>
+            <a:ext cx="8052780" cy="4351338"/>
+          </a:xfrm>
+        </p:spPr>
+      </p:pic>
+    </p:spTree>
+    <p:extLst>
+      <p:ext uri="{BB962C8B-B14F-4D97-AF65-F5344CB8AC3E}">
+        <p14:creationId xmlns:p14="http://schemas.microsoft.com/office/powerpoint/2010/main" val="1260003902"/>
+      </p:ext>
+    </p:extLst>
+  </p:cSld>
+  <p:clrMapOvr>
+    <a:masterClrMapping/>
+  </p:clrMapOvr>
+  <p:timing>
+    <p:tnLst>
+      <p:par>
+        <p:cTn id="1" dur="indefinite" restart="never" nodeType="tmRoot"/>
+      </p:par>
+    </p:tnLst>
+  </p:timing>
+</p:sld>
+</file>
+
+<file path=ppt/slides/slide8.xml><?xml version="1.0" encoding="utf-8"?>
+<p:sld xmlns:a="http://schemas.openxmlformats.org/drawingml/2006/main" xmlns:r="http://schemas.openxmlformats.org/officeDocument/2006/relationships" xmlns:p="http://schemas.openxmlformats.org/presentationml/2006/main">
+  <p:cSld>
+    <p:spTree>
+      <p:nvGrpSpPr>
+        <p:cNvPr id="1" name=""/>
+        <p:cNvGrpSpPr/>
+        <p:nvPr/>
+      </p:nvGrpSpPr>
+      <p:grpSpPr>
+        <a:xfrm>
+          <a:off x="0" y="0"/>
+          <a:ext cx="0" cy="0"/>
+          <a:chOff x="0" y="0"/>
+          <a:chExt cx="0" cy="0"/>
+        </a:xfrm>
+      </p:grpSpPr>
+      <p:sp>
+        <p:nvSpPr>
+          <p:cNvPr id="2" name="Title 1"/>
+          <p:cNvSpPr>
+            <a:spLocks noGrp="1"/>
+          </p:cNvSpPr>
+          <p:nvPr>
+            <p:ph type="title"/>
+          </p:nvPr>
+        </p:nvSpPr>
+        <p:spPr/>
+        <p:txBody>
+          <a:bodyPr/>
+          <a:lstStyle/>
+          <a:p>
+            <a:r>
+              <a:rPr lang="en-US" dirty="0" smtClean="0"/>
+              <a:t>UML – Visitor and Strategy</a:t>
+            </a:r>
+            <a:endParaRPr lang="en-US" dirty="0"/>
+          </a:p>
+        </p:txBody>
+      </p:sp>
+      <p:pic>
+        <p:nvPicPr>
+          <p:cNvPr id="5" name="Content Placeholder 4" descr="Screen Clipping"/>
+          <p:cNvPicPr>
+            <a:picLocks noGrp="1" noChangeAspect="1"/>
+          </p:cNvPicPr>
+          <p:nvPr>
+            <p:ph idx="1"/>
+          </p:nvPr>
+        </p:nvPicPr>
+        <p:blipFill>
+          <a:blip r:embed="rId2">
+            <a:extLst>
+              <a:ext uri="{28A0092B-C50C-407E-A947-70E740481C1C}">
+                <a14:useLocalDpi xmlns:a14="http://schemas.microsoft.com/office/drawing/2010/main" val="0"/>
+              </a:ext>
+            </a:extLst>
+          </a:blip>
+          <a:stretch>
+            <a:fillRect/>
+          </a:stretch>
+        </p:blipFill>
+        <p:spPr>
+          <a:xfrm>
+            <a:off x="838200" y="1916741"/>
+            <a:ext cx="10515600" cy="4169106"/>
+          </a:xfrm>
+        </p:spPr>
+      </p:pic>
+    </p:spTree>
+    <p:extLst>
+      <p:ext uri="{BB962C8B-B14F-4D97-AF65-F5344CB8AC3E}">
+        <p14:creationId xmlns:p14="http://schemas.microsoft.com/office/powerpoint/2010/main" val="3829333526"/>
+      </p:ext>
+    </p:extLst>
+  </p:cSld>
+  <p:clrMapOvr>
+    <a:masterClrMapping/>
+  </p:clrMapOvr>
+  <p:timing>
+    <p:tnLst>
+      <p:par>
+        <p:cTn id="1" dur="indefinite" restart="never" nodeType="tmRoot"/>
+      </p:par>
+    </p:tnLst>
+  </p:timing>
+</p:sld>
+</file>
+
+<file path=ppt/slides/slide9.xml><?xml version="1.0" encoding="utf-8"?>
+<p:sld xmlns:a="http://schemas.openxmlformats.org/drawingml/2006/main" xmlns:r="http://schemas.openxmlformats.org/officeDocument/2006/relationships" xmlns:p="http://schemas.openxmlformats.org/presentationml/2006/main">
+  <p:cSld>
+    <p:spTree>
+      <p:nvGrpSpPr>
+        <p:cNvPr id="1" name=""/>
+        <p:cNvGrpSpPr/>
+        <p:nvPr/>
+      </p:nvGrpSpPr>
+      <p:grpSpPr>
+        <a:xfrm>
+          <a:off x="0" y="0"/>
+          <a:ext cx="0" cy="0"/>
+          <a:chOff x="0" y="0"/>
+          <a:chExt cx="0" cy="0"/>
+        </a:xfrm>
+      </p:grpSpPr>
+      <p:sp>
+        <p:nvSpPr>
+          <p:cNvPr id="2" name="Title 1"/>
+          <p:cNvSpPr>
+            <a:spLocks noGrp="1"/>
+          </p:cNvSpPr>
+          <p:nvPr>
+            <p:ph type="title"/>
+          </p:nvPr>
+        </p:nvSpPr>
+        <p:spPr/>
+        <p:txBody>
+          <a:bodyPr/>
+          <a:lstStyle/>
+          <a:p>
+            <a:r>
+              <a:rPr lang="en-US" dirty="0" smtClean="0"/>
+              <a:t>Abstract Overview</a:t>
+            </a:r>
+            <a:endParaRPr lang="en-US" dirty="0"/>
+          </a:p>
+        </p:txBody>
+      </p:sp>
+      <p:pic>
+        <p:nvPicPr>
+          <p:cNvPr id="4" name="Content Placeholder 3" descr="Screen Clipping"/>
+          <p:cNvPicPr>
+            <a:picLocks noGrp="1" noChangeAspect="1"/>
+          </p:cNvPicPr>
+          <p:nvPr>
+            <p:ph idx="1"/>
+          </p:nvPr>
+        </p:nvPicPr>
+        <p:blipFill>
+          <a:blip r:embed="rId2">
+            <a:extLst>
+              <a:ext uri="{28A0092B-C50C-407E-A947-70E740481C1C}">
+                <a14:useLocalDpi xmlns:a14="http://schemas.microsoft.com/office/drawing/2010/main" val="0"/>
+              </a:ext>
+            </a:extLst>
+          </a:blip>
+          <a:stretch>
+            <a:fillRect/>
+          </a:stretch>
+        </p:blipFill>
+        <p:spPr>
+          <a:xfrm>
+            <a:off x="2096871" y="1825625"/>
+            <a:ext cx="7998258" cy="4351338"/>
+          </a:xfrm>
+        </p:spPr>
+      </p:pic>
+    </p:spTree>
+    <p:extLst>
+      <p:ext uri="{BB962C8B-B14F-4D97-AF65-F5344CB8AC3E}">
+        <p14:creationId xmlns:p14="http://schemas.microsoft.com/office/powerpoint/2010/main" val="1378190625"/>
+      </p:ext>
+    </p:extLst>
+  </p:cSld>
+  <p:clrMapOvr>
+    <a:masterClrMapping/>
+  </p:clrMapOvr>
 </p:sld>
 </file>
 
